--- a/Powerpoint/Group_Presentation.pptx
+++ b/Powerpoint/Group_Presentation.pptx
@@ -104,6 +104,11 @@
       </a:defRPr>
     </a:lvl9pPr>
   </p:defaultTextStyle>
+  <p:extLst>
+    <p:ext uri="{EFAFB233-063F-42B5-8137-9DF3F51BA10A}">
+      <p15:sldGuideLst xmlns:p15="http://schemas.microsoft.com/office/powerpoint/2012/main"/>
+    </p:ext>
+  </p:extLst>
 </p:presentation>
 </file>
 
@@ -238,7 +243,7 @@
           <a:p>
             <a:fld id="{059656DA-ADB2-437B-A367-58E06AF8B13D}" type="datetimeFigureOut">
               <a:rPr lang="en-US" smtClean="0"/>
-              <a:t>4/29/2020</a:t>
+              <a:t>5/3/2020</a:t>
             </a:fld>
             <a:endParaRPr lang="en-US"/>
           </a:p>
@@ -408,7 +413,7 @@
           <a:p>
             <a:fld id="{059656DA-ADB2-437B-A367-58E06AF8B13D}" type="datetimeFigureOut">
               <a:rPr lang="en-US" smtClean="0"/>
-              <a:t>4/29/2020</a:t>
+              <a:t>5/3/2020</a:t>
             </a:fld>
             <a:endParaRPr lang="en-US"/>
           </a:p>
@@ -588,7 +593,7 @@
           <a:p>
             <a:fld id="{059656DA-ADB2-437B-A367-58E06AF8B13D}" type="datetimeFigureOut">
               <a:rPr lang="en-US" smtClean="0"/>
-              <a:t>4/29/2020</a:t>
+              <a:t>5/3/2020</a:t>
             </a:fld>
             <a:endParaRPr lang="en-US"/>
           </a:p>
@@ -758,7 +763,7 @@
           <a:p>
             <a:fld id="{059656DA-ADB2-437B-A367-58E06AF8B13D}" type="datetimeFigureOut">
               <a:rPr lang="en-US" smtClean="0"/>
-              <a:t>4/29/2020</a:t>
+              <a:t>5/3/2020</a:t>
             </a:fld>
             <a:endParaRPr lang="en-US"/>
           </a:p>
@@ -1004,7 +1009,7 @@
           <a:p>
             <a:fld id="{059656DA-ADB2-437B-A367-58E06AF8B13D}" type="datetimeFigureOut">
               <a:rPr lang="en-US" smtClean="0"/>
-              <a:t>4/29/2020</a:t>
+              <a:t>5/3/2020</a:t>
             </a:fld>
             <a:endParaRPr lang="en-US"/>
           </a:p>
@@ -1236,7 +1241,7 @@
           <a:p>
             <a:fld id="{059656DA-ADB2-437B-A367-58E06AF8B13D}" type="datetimeFigureOut">
               <a:rPr lang="en-US" smtClean="0"/>
-              <a:t>4/29/2020</a:t>
+              <a:t>5/3/2020</a:t>
             </a:fld>
             <a:endParaRPr lang="en-US"/>
           </a:p>
@@ -1603,7 +1608,7 @@
           <a:p>
             <a:fld id="{059656DA-ADB2-437B-A367-58E06AF8B13D}" type="datetimeFigureOut">
               <a:rPr lang="en-US" smtClean="0"/>
-              <a:t>4/29/2020</a:t>
+              <a:t>5/3/2020</a:t>
             </a:fld>
             <a:endParaRPr lang="en-US"/>
           </a:p>
@@ -1721,7 +1726,7 @@
           <a:p>
             <a:fld id="{059656DA-ADB2-437B-A367-58E06AF8B13D}" type="datetimeFigureOut">
               <a:rPr lang="en-US" smtClean="0"/>
-              <a:t>4/29/2020</a:t>
+              <a:t>5/3/2020</a:t>
             </a:fld>
             <a:endParaRPr lang="en-US"/>
           </a:p>
@@ -1816,7 +1821,7 @@
           <a:p>
             <a:fld id="{059656DA-ADB2-437B-A367-58E06AF8B13D}" type="datetimeFigureOut">
               <a:rPr lang="en-US" smtClean="0"/>
-              <a:t>4/29/2020</a:t>
+              <a:t>5/3/2020</a:t>
             </a:fld>
             <a:endParaRPr lang="en-US"/>
           </a:p>
@@ -2093,7 +2098,7 @@
           <a:p>
             <a:fld id="{059656DA-ADB2-437B-A367-58E06AF8B13D}" type="datetimeFigureOut">
               <a:rPr lang="en-US" smtClean="0"/>
-              <a:t>4/29/2020</a:t>
+              <a:t>5/3/2020</a:t>
             </a:fld>
             <a:endParaRPr lang="en-US"/>
           </a:p>
@@ -2350,7 +2355,7 @@
           <a:p>
             <a:fld id="{059656DA-ADB2-437B-A367-58E06AF8B13D}" type="datetimeFigureOut">
               <a:rPr lang="en-US" smtClean="0"/>
-              <a:t>4/29/2020</a:t>
+              <a:t>5/3/2020</a:t>
             </a:fld>
             <a:endParaRPr lang="en-US"/>
           </a:p>
@@ -2563,7 +2568,7 @@
           <a:p>
             <a:fld id="{059656DA-ADB2-437B-A367-58E06AF8B13D}" type="datetimeFigureOut">
               <a:rPr lang="en-US" smtClean="0"/>
-              <a:t>4/29/2020</a:t>
+              <a:t>5/3/2020</a:t>
             </a:fld>
             <a:endParaRPr lang="en-US"/>
           </a:p>
@@ -2970,10 +2975,10 @@
       </p:grpSpPr>
       <p:grpSp>
         <p:nvGrpSpPr>
-          <p:cNvPr id="8" name="Group 7">
+          <p:cNvPr id="2048" name="Group 2047">
             <a:extLst>
               <a:ext uri="{FF2B5EF4-FFF2-40B4-BE49-F238E27FC236}">
-                <a16:creationId xmlns:a16="http://schemas.microsoft.com/office/drawing/2014/main" id="{84D62D04-F26A-42A3-B64F-AF2D201ED170}"/>
+                <a16:creationId xmlns:a16="http://schemas.microsoft.com/office/drawing/2014/main" id="{725935A4-232B-4240-9CB8-88E6BBA4F505}"/>
               </a:ext>
             </a:extLst>
           </p:cNvPr>
@@ -2982,80 +2987,18 @@
         </p:nvGrpSpPr>
         <p:grpSpPr>
           <a:xfrm>
-            <a:off x="472440" y="0"/>
-            <a:ext cx="11270377" cy="6858000"/>
-            <a:chOff x="0" y="0"/>
-            <a:chExt cx="11270377" cy="6858000"/>
+            <a:off x="595259" y="16279"/>
+            <a:ext cx="11224185" cy="6858000"/>
+            <a:chOff x="1209599" y="11430"/>
+            <a:chExt cx="11224185" cy="6858000"/>
           </a:xfrm>
-          <a:effectLst>
-            <a:outerShdw blurRad="254000" dist="88900" algn="l" rotWithShape="0">
-              <a:prstClr val="black">
-                <a:alpha val="51000"/>
-              </a:prstClr>
-            </a:outerShdw>
-          </a:effectLst>
         </p:grpSpPr>
-        <p:sp>
-          <p:nvSpPr>
-            <p:cNvPr id="5" name="Rectangle: Rounded Corners 4">
+        <p:grpSp>
+          <p:nvGrpSpPr>
+            <p:cNvPr id="8" name="Group 7">
               <a:extLst>
                 <a:ext uri="{FF2B5EF4-FFF2-40B4-BE49-F238E27FC236}">
-                  <a16:creationId xmlns:a16="http://schemas.microsoft.com/office/drawing/2014/main" id="{BDDB980C-4D6C-49A6-BD20-20193C8521E5}"/>
-                </a:ext>
-              </a:extLst>
-            </p:cNvPr>
-            <p:cNvSpPr/>
-            <p:nvPr/>
-          </p:nvSpPr>
-          <p:spPr>
-            <a:xfrm>
-              <a:off x="10333117" y="2331720"/>
-              <a:ext cx="937260" cy="1097280"/>
-            </a:xfrm>
-            <a:prstGeom prst="roundRect">
-              <a:avLst/>
-            </a:prstGeom>
-            <a:solidFill>
-              <a:schemeClr val="accent6">
-                <a:lumMod val="40000"/>
-                <a:lumOff val="60000"/>
-              </a:schemeClr>
-            </a:solidFill>
-            <a:ln>
-              <a:noFill/>
-            </a:ln>
-          </p:spPr>
-          <p:style>
-            <a:lnRef idx="2">
-              <a:schemeClr val="accent1">
-                <a:shade val="50000"/>
-              </a:schemeClr>
-            </a:lnRef>
-            <a:fillRef idx="1">
-              <a:schemeClr val="accent1"/>
-            </a:fillRef>
-            <a:effectRef idx="0">
-              <a:schemeClr val="accent1"/>
-            </a:effectRef>
-            <a:fontRef idx="minor">
-              <a:schemeClr val="lt1"/>
-            </a:fontRef>
-          </p:style>
-          <p:txBody>
-            <a:bodyPr rtlCol="0" anchor="ctr"/>
-            <a:lstStyle/>
-            <a:p>
-              <a:pPr algn="ctr"/>
-              <a:endParaRPr lang="en-US" dirty="0"/>
-            </a:p>
-          </p:txBody>
-        </p:sp>
-        <p:grpSp>
-          <p:nvGrpSpPr>
-            <p:cNvPr id="7" name="Group 6">
-              <a:extLst>
-                <a:ext uri="{FF2B5EF4-FFF2-40B4-BE49-F238E27FC236}">
-                  <a16:creationId xmlns:a16="http://schemas.microsoft.com/office/drawing/2014/main" id="{3183809B-ABE0-4CCE-BAC3-0348F4047354}"/>
+                  <a16:creationId xmlns:a16="http://schemas.microsoft.com/office/drawing/2014/main" id="{84D62D04-F26A-42A3-B64F-AF2D201ED170}"/>
                 </a:ext>
               </a:extLst>
             </p:cNvPr>
@@ -3064,18 +3007,25 @@
           </p:nvGrpSpPr>
           <p:grpSpPr>
             <a:xfrm>
-              <a:off x="0" y="0"/>
-              <a:ext cx="11153498" cy="6858000"/>
+              <a:off x="1209599" y="11430"/>
+              <a:ext cx="11224185" cy="6858000"/>
               <a:chOff x="0" y="0"/>
-              <a:chExt cx="11153498" cy="6858000"/>
+              <a:chExt cx="11224185" cy="6858000"/>
             </a:xfrm>
+            <a:effectLst>
+              <a:outerShdw blurRad="254000" dist="88900" algn="l" rotWithShape="0">
+                <a:prstClr val="black">
+                  <a:alpha val="51000"/>
+                </a:prstClr>
+              </a:outerShdw>
+            </a:effectLst>
           </p:grpSpPr>
           <p:sp>
             <p:nvSpPr>
-              <p:cNvPr id="4" name="Rectangle 3">
+              <p:cNvPr id="5" name="Rectangle: Rounded Corners 4">
                 <a:extLst>
                   <a:ext uri="{FF2B5EF4-FFF2-40B4-BE49-F238E27FC236}">
-                    <a16:creationId xmlns:a16="http://schemas.microsoft.com/office/drawing/2014/main" id="{1031F6CE-2710-4F3A-AC40-12C1D96E5CC3}"/>
+                    <a16:creationId xmlns:a16="http://schemas.microsoft.com/office/drawing/2014/main" id="{BDDB980C-4D6C-49A6-BD20-20193C8521E5}"/>
                   </a:ext>
                 </a:extLst>
               </p:cNvPr>
@@ -3084,10 +3034,10 @@
             </p:nvSpPr>
             <p:spPr>
               <a:xfrm>
-                <a:off x="0" y="0"/>
-                <a:ext cx="10492740" cy="6858000"/>
+                <a:off x="10280808" y="3482622"/>
+                <a:ext cx="937260" cy="1097280"/>
               </a:xfrm>
-              <a:prstGeom prst="rect">
+              <a:prstGeom prst="roundRect">
                 <a:avLst/>
               </a:prstGeom>
               <a:solidFill>
@@ -3121,42 +3071,134 @@
               <a:lstStyle/>
               <a:p>
                 <a:pPr algn="ctr"/>
-                <a:endParaRPr lang="en-US"/>
+                <a:endParaRPr lang="en-US" dirty="0"/>
               </a:p>
             </p:txBody>
           </p:sp>
-          <p:sp>
-            <p:nvSpPr>
-              <p:cNvPr id="6" name="Rectangle 5">
+          <p:grpSp>
+            <p:nvGrpSpPr>
+              <p:cNvPr id="7" name="Group 6">
                 <a:extLst>
                   <a:ext uri="{FF2B5EF4-FFF2-40B4-BE49-F238E27FC236}">
-                    <a16:creationId xmlns:a16="http://schemas.microsoft.com/office/drawing/2014/main" id="{FFE963B9-49B9-46C5-93D3-306200C2C27B}"/>
+                    <a16:creationId xmlns:a16="http://schemas.microsoft.com/office/drawing/2014/main" id="{3183809B-ABE0-4CCE-BAC3-0348F4047354}"/>
                   </a:ext>
                 </a:extLst>
               </p:cNvPr>
-              <p:cNvSpPr/>
+              <p:cNvGrpSpPr/>
               <p:nvPr/>
-            </p:nvSpPr>
-            <p:spPr>
+            </p:nvGrpSpPr>
+            <p:grpSpPr>
               <a:xfrm>
-                <a:off x="10492740" y="2418695"/>
-                <a:ext cx="660758" cy="923330"/>
+                <a:off x="0" y="0"/>
+                <a:ext cx="11224185" cy="6858000"/>
+                <a:chOff x="0" y="0"/>
+                <a:chExt cx="11224185" cy="6858000"/>
               </a:xfrm>
-              <a:prstGeom prst="rect">
-                <a:avLst/>
-              </a:prstGeom>
-              <a:noFill/>
-            </p:spPr>
-            <p:txBody>
-              <a:bodyPr wrap="none" lIns="91440" tIns="45720" rIns="91440" bIns="45720">
-                <a:spAutoFit/>
-              </a:bodyPr>
-              <a:lstStyle/>
-              <a:p>
-                <a:pPr algn="ctr"/>
-                <a:r>
-                  <a:rPr lang="en-US" sz="5400" dirty="0">
+            </p:grpSpPr>
+            <p:sp>
+              <p:nvSpPr>
+                <p:cNvPr id="4" name="Rectangle 3">
+                  <a:extLst>
+                    <a:ext uri="{FF2B5EF4-FFF2-40B4-BE49-F238E27FC236}">
+                      <a16:creationId xmlns:a16="http://schemas.microsoft.com/office/drawing/2014/main" id="{1031F6CE-2710-4F3A-AC40-12C1D96E5CC3}"/>
+                    </a:ext>
+                  </a:extLst>
+                </p:cNvPr>
+                <p:cNvSpPr/>
+                <p:nvPr/>
+              </p:nvSpPr>
+              <p:spPr>
+                <a:xfrm>
+                  <a:off x="0" y="0"/>
+                  <a:ext cx="10492740" cy="6858000"/>
+                </a:xfrm>
+                <a:prstGeom prst="rect">
+                  <a:avLst/>
+                </a:prstGeom>
+                <a:solidFill>
+                  <a:schemeClr val="accent6">
+                    <a:lumMod val="40000"/>
+                    <a:lumOff val="60000"/>
+                  </a:schemeClr>
+                </a:solidFill>
+                <a:ln>
+                  <a:noFill/>
+                </a:ln>
+              </p:spPr>
+              <p:style>
+                <a:lnRef idx="2">
+                  <a:schemeClr val="accent1">
+                    <a:shade val="50000"/>
+                  </a:schemeClr>
+                </a:lnRef>
+                <a:fillRef idx="1">
+                  <a:schemeClr val="accent1"/>
+                </a:fillRef>
+                <a:effectRef idx="0">
+                  <a:schemeClr val="accent1"/>
+                </a:effectRef>
+                <a:fontRef idx="minor">
+                  <a:schemeClr val="lt1"/>
+                </a:fontRef>
+              </p:style>
+              <p:txBody>
+                <a:bodyPr rtlCol="0" anchor="ctr"/>
+                <a:lstStyle/>
+                <a:p>
+                  <a:pPr algn="ctr"/>
+                  <a:endParaRPr lang="en-US" dirty="0"/>
+                </a:p>
+              </p:txBody>
+            </p:sp>
+            <p:sp>
+              <p:nvSpPr>
+                <p:cNvPr id="6" name="Rectangle 5">
+                  <a:extLst>
+                    <a:ext uri="{FF2B5EF4-FFF2-40B4-BE49-F238E27FC236}">
+                      <a16:creationId xmlns:a16="http://schemas.microsoft.com/office/drawing/2014/main" id="{FFE963B9-49B9-46C5-93D3-306200C2C27B}"/>
+                    </a:ext>
+                  </a:extLst>
+                </p:cNvPr>
+                <p:cNvSpPr/>
+                <p:nvPr/>
+              </p:nvSpPr>
+              <p:spPr>
+                <a:xfrm>
+                  <a:off x="10563427" y="3506796"/>
+                  <a:ext cx="660758" cy="923330"/>
+                </a:xfrm>
+                <a:prstGeom prst="rect">
+                  <a:avLst/>
+                </a:prstGeom>
+                <a:noFill/>
+              </p:spPr>
+              <p:txBody>
+                <a:bodyPr wrap="none" lIns="91440" tIns="45720" rIns="91440" bIns="45720">
+                  <a:spAutoFit/>
+                </a:bodyPr>
+                <a:lstStyle/>
+                <a:p>
+                  <a:pPr algn="ctr"/>
+                  <a:r>
+                    <a:rPr lang="en-US" sz="5400" dirty="0">
+                      <a:ln w="0"/>
+                      <a:effectLst>
+                        <a:outerShdw blurRad="38100" dist="19050" dir="2700000" algn="tl" rotWithShape="0">
+                          <a:schemeClr val="dk1">
+                            <a:alpha val="40000"/>
+                          </a:schemeClr>
+                        </a:outerShdw>
+                      </a:effectLst>
+                      <a:latin typeface="Biome Light" panose="020B0303030204020804" pitchFamily="34" charset="0"/>
+                      <a:cs typeface="Biome Light" panose="020B0303030204020804" pitchFamily="34" charset="0"/>
+                    </a:rPr>
+                    <a:t>A</a:t>
+                  </a:r>
+                  <a:endParaRPr lang="en-US" sz="5400" b="0" cap="none" spc="0" dirty="0">
                     <a:ln w="0"/>
+                    <a:solidFill>
+                      <a:schemeClr val="tx1"/>
+                    </a:solidFill>
                     <a:effectLst>
                       <a:outerShdw blurRad="38100" dist="19050" dir="2700000" algn="tl" rotWithShape="0">
                         <a:schemeClr val="dk1">
@@ -3166,35 +3208,200 @@
                     </a:effectLst>
                     <a:latin typeface="Biome Light" panose="020B0303030204020804" pitchFamily="34" charset="0"/>
                     <a:cs typeface="Biome Light" panose="020B0303030204020804" pitchFamily="34" charset="0"/>
-                  </a:rPr>
-                  <a:t>A</a:t>
-                </a:r>
-                <a:endParaRPr lang="en-US" sz="5400" b="0" cap="none" spc="0" dirty="0">
-                  <a:ln w="0"/>
+                  </a:endParaRPr>
+                </a:p>
+              </p:txBody>
+            </p:sp>
+          </p:grpSp>
+        </p:grpSp>
+        <p:pic>
+          <p:nvPicPr>
+            <p:cNvPr id="41" name="Picture 40">
+              <a:extLst>
+                <a:ext uri="{FF2B5EF4-FFF2-40B4-BE49-F238E27FC236}">
+                  <a16:creationId xmlns:a16="http://schemas.microsoft.com/office/drawing/2014/main" id="{3751A0A2-BBF9-49FA-B9B8-5EBD15797411}"/>
+                </a:ext>
+              </a:extLst>
+            </p:cNvPr>
+            <p:cNvPicPr>
+              <a:picLocks noChangeAspect="1"/>
+            </p:cNvPicPr>
+            <p:nvPr/>
+          </p:nvPicPr>
+          <p:blipFill>
+            <a:blip r:embed="rId2">
+              <a:extLst>
+                <a:ext uri="{BEBA8EAE-BF5A-486C-A8C5-ECC9F3942E4B}">
+                  <a14:imgProps xmlns:a14="http://schemas.microsoft.com/office/drawing/2010/main">
+                    <a14:imgLayer r:embed="rId3">
+                      <a14:imgEffect>
+                        <a14:backgroundRemoval t="9581" b="93713" l="3585" r="94151">
+                          <a14:foregroundMark x1="13962" y1="19162" x2="28679" y2="21856"/>
+                          <a14:foregroundMark x1="28679" y1="21856" x2="64340" y2="16168"/>
+                          <a14:foregroundMark x1="64340" y1="16168" x2="76038" y2="19162"/>
+                          <a14:foregroundMark x1="76038" y1="19162" x2="84151" y2="58982"/>
+                          <a14:foregroundMark x1="84151" y1="58982" x2="84151" y2="78144"/>
+                          <a14:foregroundMark x1="84151" y1="78144" x2="20189" y2="86527"/>
+                          <a14:foregroundMark x1="20189" y1="86527" x2="14340" y2="73353"/>
+                          <a14:foregroundMark x1="14340" y1="73353" x2="11321" y2="35629"/>
+                          <a14:foregroundMark x1="11321" y1="35629" x2="13396" y2="21257"/>
+                          <a14:foregroundMark x1="10755" y1="18263" x2="7170" y2="70958"/>
+                          <a14:foregroundMark x1="7170" y1="70958" x2="7170" y2="72156"/>
+                          <a14:foregroundMark x1="11132" y1="16168" x2="5283" y2="31437"/>
+                          <a14:foregroundMark x1="5283" y1="31437" x2="3962" y2="50000"/>
+                          <a14:foregroundMark x1="4906" y1="75150" x2="11509" y2="87425"/>
+                          <a14:foregroundMark x1="11509" y1="87425" x2="32075" y2="94611"/>
+                          <a14:foregroundMark x1="32075" y1="94611" x2="43396" y2="94611"/>
+                          <a14:foregroundMark x1="43396" y1="94611" x2="64528" y2="92515"/>
+                          <a14:foregroundMark x1="64528" y1="92515" x2="85849" y2="92515"/>
+                          <a14:foregroundMark x1="85849" y1="92515" x2="94151" y2="81737"/>
+                          <a14:foregroundMark x1="94151" y1="81737" x2="89434" y2="15868"/>
+                          <a14:foregroundMark x1="89434" y1="15868" x2="79057" y2="14072"/>
+                          <a14:foregroundMark x1="76792" y1="63772" x2="73208" y2="56587"/>
+                          <a14:foregroundMark x1="74151" y1="55090" x2="81887" y2="62874"/>
+                          <a14:foregroundMark x1="81887" y1="66467" x2="72264" y2="66168"/>
+                          <a14:foregroundMark x1="72264" y1="66168" x2="81887" y2="63473"/>
+                          <a14:foregroundMark x1="81887" y1="63473" x2="63774" y2="55090"/>
+                          <a14:foregroundMark x1="70943" y1="52096" x2="80943" y2="51497"/>
+                          <a14:foregroundMark x1="80943" y1="51497" x2="80943" y2="51497"/>
+                          <a14:foregroundMark x1="67358" y1="61377" x2="67358" y2="61377"/>
+                          <a14:foregroundMark x1="67358" y1="59281" x2="69623" y2="74251"/>
+                          <a14:foregroundMark x1="69623" y1="74251" x2="79245" y2="70359"/>
+                          <a14:foregroundMark x1="79245" y1="70359" x2="83585" y2="70958"/>
+                          <a14:foregroundMark x1="50189" y1="38623" x2="50189" y2="44910"/>
+                          <a14:foregroundMark x1="56415" y1="37725" x2="66604" y2="36228"/>
+                          <a14:foregroundMark x1="66604" y1="36228" x2="66981" y2="36228"/>
+                          <a14:foregroundMark x1="58302" y1="32635" x2="52830" y2="39820"/>
+                          <a14:foregroundMark x1="42830" y1="29042" x2="51698" y2="21856"/>
+                          <a14:foregroundMark x1="51698" y1="21856" x2="60943" y2="19760"/>
+                          <a14:foregroundMark x1="66038" y1="26946" x2="50189" y2="23353"/>
+                          <a14:foregroundMark x1="41132" y1="25449" x2="51509" y2="24251"/>
+                          <a14:foregroundMark x1="51509" y1="24251" x2="53774" y2="24251"/>
+                          <a14:foregroundMark x1="47358" y1="26946" x2="42075" y2="33533"/>
+                          <a14:foregroundMark x1="46038" y1="31437" x2="52453" y2="24850"/>
+                          <a14:foregroundMark x1="44340" y1="29940" x2="44340" y2="47006"/>
+                          <a14:foregroundMark x1="42830" y1="39820" x2="34528" y2="32934"/>
+                          <a14:foregroundMark x1="34528" y1="32934" x2="29811" y2="44311"/>
+                          <a14:foregroundMark x1="11698" y1="71557" x2="22453" y2="59880"/>
+                          <a14:foregroundMark x1="22453" y1="59880" x2="34340" y2="53593"/>
+                          <a14:foregroundMark x1="17170" y1="52096" x2="32453" y2="77246"/>
+                          <a14:foregroundMark x1="24340" y1="67365" x2="23208" y2="36527"/>
+                          <a14:foregroundMark x1="23208" y1="36527" x2="21698" y2="34132"/>
+                          <a14:foregroundMark x1="20755" y1="53593" x2="15283" y2="70958"/>
+                          <a14:foregroundMark x1="16604" y1="58683" x2="20189" y2="45808"/>
+                          <a14:foregroundMark x1="17925" y1="53593" x2="21132" y2="70958"/>
+                          <a14:foregroundMark x1="21132" y1="70958" x2="23396" y2="73054"/>
+                          <a14:foregroundMark x1="3962" y1="78743" x2="13396" y2="88024"/>
+                          <a14:foregroundMark x1="13396" y1="88024" x2="87736" y2="93713"/>
+                          <a14:foregroundMark x1="87736" y1="93713" x2="93774" y2="80539"/>
+                          <a14:foregroundMark x1="93774" y1="80539" x2="94151" y2="77246"/>
+                          <a14:foregroundMark x1="3585" y1="81737" x2="11321" y2="92216"/>
+                          <a14:foregroundMark x1="11321" y1="92216" x2="18868" y2="93713"/>
+                          <a14:foregroundMark x1="84528" y1="55689" x2="82264" y2="74551"/>
+                          <a14:foregroundMark x1="84151" y1="70060" x2="83019" y2="54192"/>
+                          <a14:foregroundMark x1="83019" y1="54192" x2="84151" y2="70060"/>
+                          <a14:foregroundMark x1="84151" y1="70060" x2="85472" y2="73054"/>
+                          <a14:foregroundMark x1="84151" y1="51497" x2="86415" y2="79341"/>
+                          <a14:foregroundMark x1="26604" y1="50000" x2="31132" y2="50599"/>
+                        </a14:backgroundRemoval>
+                      </a14:imgEffect>
+                    </a14:imgLayer>
+                  </a14:imgProps>
+                </a:ext>
+              </a:extLst>
+            </a:blip>
+            <a:stretch>
+              <a:fillRect/>
+            </a:stretch>
+          </p:blipFill>
+          <p:spPr>
+            <a:xfrm>
+              <a:off x="5936374" y="2091881"/>
+              <a:ext cx="4526724" cy="2852690"/>
+            </a:xfrm>
+            <a:prstGeom prst="rect">
+              <a:avLst/>
+            </a:prstGeom>
+          </p:spPr>
+        </p:pic>
+        <p:sp>
+          <p:nvSpPr>
+            <p:cNvPr id="31" name="Rectangle 30">
+              <a:extLst>
+                <a:ext uri="{FF2B5EF4-FFF2-40B4-BE49-F238E27FC236}">
+                  <a16:creationId xmlns:a16="http://schemas.microsoft.com/office/drawing/2014/main" id="{61595970-D9EC-43C9-9035-5344C9600C55}"/>
+                </a:ext>
+              </a:extLst>
+            </p:cNvPr>
+            <p:cNvSpPr/>
+            <p:nvPr/>
+          </p:nvSpPr>
+          <p:spPr>
+            <a:xfrm>
+              <a:off x="5430063" y="78304"/>
+              <a:ext cx="5539347" cy="1754326"/>
+            </a:xfrm>
+            <a:prstGeom prst="rect">
+              <a:avLst/>
+            </a:prstGeom>
+            <a:noFill/>
+          </p:spPr>
+          <p:txBody>
+            <a:bodyPr wrap="square" lIns="91440" tIns="45720" rIns="91440" bIns="45720">
+              <a:spAutoFit/>
+            </a:bodyPr>
+            <a:lstStyle/>
+            <a:p>
+              <a:pPr algn="ctr"/>
+              <a:r>
+                <a:rPr lang="en-US" sz="5400" b="1" dirty="0">
+                  <a:ln w="9525">
+                    <a:solidFill>
+                      <a:schemeClr val="bg1"/>
+                    </a:solidFill>
+                    <a:prstDash val="solid"/>
+                  </a:ln>
                   <a:solidFill>
-                    <a:schemeClr val="tx1"/>
+                    <a:schemeClr val="accent6"/>
                   </a:solidFill>
                   <a:effectLst>
-                    <a:outerShdw blurRad="38100" dist="19050" dir="2700000" algn="tl" rotWithShape="0">
-                      <a:schemeClr val="dk1">
-                        <a:alpha val="40000"/>
+                    <a:outerShdw blurRad="12700" dist="38100" dir="2700000" algn="tl" rotWithShape="0">
+                      <a:schemeClr val="bg1">
+                        <a:lumMod val="50000"/>
                       </a:schemeClr>
                     </a:outerShdw>
                   </a:effectLst>
-                  <a:latin typeface="Biome Light" panose="020B0303030204020804" pitchFamily="34" charset="0"/>
-                  <a:cs typeface="Biome Light" panose="020B0303030204020804" pitchFamily="34" charset="0"/>
-                </a:endParaRPr>
-              </a:p>
-            </p:txBody>
-          </p:sp>
-        </p:grpSp>
+                </a:rPr>
+                <a:t>Creating 2 Neural Networks</a:t>
+              </a:r>
+              <a:endParaRPr lang="en-US" sz="5400" b="1" cap="none" spc="0" dirty="0">
+                <a:ln w="9525">
+                  <a:solidFill>
+                    <a:schemeClr val="bg1"/>
+                  </a:solidFill>
+                  <a:prstDash val="solid"/>
+                </a:ln>
+                <a:solidFill>
+                  <a:schemeClr val="accent6"/>
+                </a:solidFill>
+                <a:effectLst>
+                  <a:outerShdw blurRad="12700" dist="38100" dir="2700000" algn="tl" rotWithShape="0">
+                    <a:schemeClr val="bg1">
+                      <a:lumMod val="50000"/>
+                    </a:schemeClr>
+                  </a:outerShdw>
+                </a:effectLst>
+              </a:endParaRPr>
+            </a:p>
+          </p:txBody>
+        </p:sp>
       </p:grpSp>
       <p:grpSp>
         <p:nvGrpSpPr>
-          <p:cNvPr id="9" name="Group 8">
+          <p:cNvPr id="2064" name="Group 2063">
             <a:extLst>
               <a:ext uri="{FF2B5EF4-FFF2-40B4-BE49-F238E27FC236}">
-                <a16:creationId xmlns:a16="http://schemas.microsoft.com/office/drawing/2014/main" id="{C86B25BF-4CF2-412F-96D0-4018B8C813DD}"/>
+                <a16:creationId xmlns:a16="http://schemas.microsoft.com/office/drawing/2014/main" id="{897E1565-A626-4880-8D28-572C011922E5}"/>
               </a:ext>
             </a:extLst>
           </p:cNvPr>
@@ -3203,81 +3410,18 @@
         </p:nvGrpSpPr>
         <p:grpSpPr>
           <a:xfrm>
-            <a:off x="-778460" y="0"/>
-            <a:ext cx="11291749" cy="6858000"/>
-            <a:chOff x="0" y="0"/>
-            <a:chExt cx="11291749" cy="6858000"/>
+            <a:off x="-8685623" y="18745"/>
+            <a:ext cx="11291777" cy="6891085"/>
+            <a:chOff x="364595" y="-78913"/>
+            <a:chExt cx="11291777" cy="6891085"/>
           </a:xfrm>
-          <a:solidFill>
-            <a:schemeClr val="accent1">
-              <a:lumMod val="40000"/>
-              <a:lumOff val="60000"/>
-            </a:schemeClr>
-          </a:solidFill>
-          <a:effectLst>
-            <a:outerShdw blurRad="254000" dist="88900" algn="l" rotWithShape="0">
-              <a:prstClr val="black">
-                <a:alpha val="51000"/>
-              </a:prstClr>
-            </a:outerShdw>
-          </a:effectLst>
         </p:grpSpPr>
-        <p:sp>
-          <p:nvSpPr>
-            <p:cNvPr id="10" name="Rectangle: Rounded Corners 9">
+        <p:grpSp>
+          <p:nvGrpSpPr>
+            <p:cNvPr id="9" name="Group 8">
               <a:extLst>
                 <a:ext uri="{FF2B5EF4-FFF2-40B4-BE49-F238E27FC236}">
-                  <a16:creationId xmlns:a16="http://schemas.microsoft.com/office/drawing/2014/main" id="{F3641139-4F4A-4BA9-B247-D2A54ADFF422}"/>
-                </a:ext>
-              </a:extLst>
-            </p:cNvPr>
-            <p:cNvSpPr/>
-            <p:nvPr/>
-          </p:nvSpPr>
-          <p:spPr>
-            <a:xfrm>
-              <a:off x="10354489" y="1495365"/>
-              <a:ext cx="937260" cy="1097280"/>
-            </a:xfrm>
-            <a:prstGeom prst="roundRect">
-              <a:avLst/>
-            </a:prstGeom>
-            <a:grpFill/>
-            <a:ln>
-              <a:noFill/>
-            </a:ln>
-          </p:spPr>
-          <p:style>
-            <a:lnRef idx="2">
-              <a:schemeClr val="accent1">
-                <a:shade val="50000"/>
-              </a:schemeClr>
-            </a:lnRef>
-            <a:fillRef idx="1">
-              <a:schemeClr val="accent1"/>
-            </a:fillRef>
-            <a:effectRef idx="0">
-              <a:schemeClr val="accent1"/>
-            </a:effectRef>
-            <a:fontRef idx="minor">
-              <a:schemeClr val="lt1"/>
-            </a:fontRef>
-          </p:style>
-          <p:txBody>
-            <a:bodyPr rtlCol="0" anchor="ctr"/>
-            <a:lstStyle/>
-            <a:p>
-              <a:pPr algn="ctr"/>
-              <a:endParaRPr lang="en-US"/>
-            </a:p>
-          </p:txBody>
-        </p:sp>
-        <p:grpSp>
-          <p:nvGrpSpPr>
-            <p:cNvPr id="11" name="Group 10">
-              <a:extLst>
-                <a:ext uri="{FF2B5EF4-FFF2-40B4-BE49-F238E27FC236}">
-                  <a16:creationId xmlns:a16="http://schemas.microsoft.com/office/drawing/2014/main" id="{0A454571-2E77-4D15-89B7-F20D13162859}"/>
+                  <a16:creationId xmlns:a16="http://schemas.microsoft.com/office/drawing/2014/main" id="{C86B25BF-4CF2-412F-96D0-4018B8C813DD}"/>
                 </a:ext>
               </a:extLst>
             </p:cNvPr>
@@ -3286,19 +3430,31 @@
           </p:nvGrpSpPr>
           <p:grpSpPr>
             <a:xfrm>
-              <a:off x="0" y="0"/>
-              <a:ext cx="11118190" cy="6858000"/>
+              <a:off x="364595" y="-78913"/>
+              <a:ext cx="11291777" cy="6858000"/>
               <a:chOff x="0" y="0"/>
-              <a:chExt cx="11118190" cy="6858000"/>
+              <a:chExt cx="11291777" cy="6858000"/>
             </a:xfrm>
-            <a:grpFill/>
+            <a:solidFill>
+              <a:schemeClr val="accent1">
+                <a:lumMod val="40000"/>
+                <a:lumOff val="60000"/>
+              </a:schemeClr>
+            </a:solidFill>
+            <a:effectLst>
+              <a:outerShdw blurRad="254000" dist="88900" algn="l" rotWithShape="0">
+                <a:prstClr val="black">
+                  <a:alpha val="51000"/>
+                </a:prstClr>
+              </a:outerShdw>
+            </a:effectLst>
           </p:grpSpPr>
           <p:sp>
             <p:nvSpPr>
-              <p:cNvPr id="12" name="Rectangle 11">
+              <p:cNvPr id="10" name="Rectangle: Rounded Corners 9">
                 <a:extLst>
                   <a:ext uri="{FF2B5EF4-FFF2-40B4-BE49-F238E27FC236}">
-                    <a16:creationId xmlns:a16="http://schemas.microsoft.com/office/drawing/2014/main" id="{9708D67B-C816-4079-B853-AFE535408F6C}"/>
+                    <a16:creationId xmlns:a16="http://schemas.microsoft.com/office/drawing/2014/main" id="{F3641139-4F4A-4BA9-B247-D2A54ADFF422}"/>
                   </a:ext>
                 </a:extLst>
               </p:cNvPr>
@@ -3307,10 +3463,10 @@
             </p:nvSpPr>
             <p:spPr>
               <a:xfrm>
-                <a:off x="0" y="0"/>
-                <a:ext cx="10492740" cy="6858000"/>
+                <a:off x="10354517" y="2533462"/>
+                <a:ext cx="937260" cy="1097280"/>
               </a:xfrm>
-              <a:prstGeom prst="rect">
+              <a:prstGeom prst="roundRect">
                 <a:avLst/>
               </a:prstGeom>
               <a:grpFill/>
@@ -3343,42 +3499,131 @@
               </a:p>
             </p:txBody>
           </p:sp>
-          <p:sp>
-            <p:nvSpPr>
-              <p:cNvPr id="13" name="Rectangle 12">
+          <p:grpSp>
+            <p:nvGrpSpPr>
+              <p:cNvPr id="11" name="Group 10">
                 <a:extLst>
                   <a:ext uri="{FF2B5EF4-FFF2-40B4-BE49-F238E27FC236}">
-                    <a16:creationId xmlns:a16="http://schemas.microsoft.com/office/drawing/2014/main" id="{3E87AAC7-4EC1-4629-AE44-52E3004779B8}"/>
+                    <a16:creationId xmlns:a16="http://schemas.microsoft.com/office/drawing/2014/main" id="{0A454571-2E77-4D15-89B7-F20D13162859}"/>
                   </a:ext>
                 </a:extLst>
               </p:cNvPr>
-              <p:cNvSpPr/>
+              <p:cNvGrpSpPr/>
               <p:nvPr/>
-            </p:nvSpPr>
-            <p:spPr>
+            </p:nvGrpSpPr>
+            <p:grpSpPr>
               <a:xfrm>
-                <a:off x="10457432" y="1495365"/>
-                <a:ext cx="660758" cy="923330"/>
+                <a:off x="0" y="0"/>
+                <a:ext cx="11176033" cy="6858000"/>
+                <a:chOff x="0" y="0"/>
+                <a:chExt cx="11176033" cy="6858000"/>
               </a:xfrm>
-              <a:prstGeom prst="rect">
-                <a:avLst/>
-              </a:prstGeom>
               <a:grpFill/>
-            </p:spPr>
-            <p:txBody>
-              <a:bodyPr wrap="none" lIns="91440" tIns="45720" rIns="91440" bIns="45720">
-                <a:spAutoFit/>
-              </a:bodyPr>
-              <a:lstStyle/>
-              <a:p>
-                <a:pPr algn="ctr"/>
-                <a:r>
-                  <a:rPr lang="en-US" sz="5400" dirty="0">
+            </p:grpSpPr>
+            <p:sp>
+              <p:nvSpPr>
+                <p:cNvPr id="12" name="Rectangle 11">
+                  <a:extLst>
+                    <a:ext uri="{FF2B5EF4-FFF2-40B4-BE49-F238E27FC236}">
+                      <a16:creationId xmlns:a16="http://schemas.microsoft.com/office/drawing/2014/main" id="{9708D67B-C816-4079-B853-AFE535408F6C}"/>
+                    </a:ext>
+                  </a:extLst>
+                </p:cNvPr>
+                <p:cNvSpPr/>
+                <p:nvPr/>
+              </p:nvSpPr>
+              <p:spPr>
+                <a:xfrm>
+                  <a:off x="0" y="0"/>
+                  <a:ext cx="10492740" cy="6858000"/>
+                </a:xfrm>
+                <a:prstGeom prst="rect">
+                  <a:avLst/>
+                </a:prstGeom>
+                <a:grpFill/>
+                <a:ln>
+                  <a:noFill/>
+                </a:ln>
+              </p:spPr>
+              <p:style>
+                <a:lnRef idx="2">
+                  <a:schemeClr val="accent1">
+                    <a:shade val="50000"/>
+                  </a:schemeClr>
+                </a:lnRef>
+                <a:fillRef idx="1">
+                  <a:schemeClr val="accent1"/>
+                </a:fillRef>
+                <a:effectRef idx="0">
+                  <a:schemeClr val="accent1"/>
+                </a:effectRef>
+                <a:fontRef idx="minor">
+                  <a:schemeClr val="lt1"/>
+                </a:fontRef>
+              </p:style>
+              <p:txBody>
+                <a:bodyPr rtlCol="0" anchor="ctr"/>
+                <a:lstStyle/>
+                <a:p>
+                  <a:pPr algn="ctr"/>
+                  <a:endParaRPr lang="en-US" dirty="0"/>
+                </a:p>
+              </p:txBody>
+            </p:sp>
+            <p:sp>
+              <p:nvSpPr>
+                <p:cNvPr id="13" name="Rectangle 12">
+                  <a:extLst>
+                    <a:ext uri="{FF2B5EF4-FFF2-40B4-BE49-F238E27FC236}">
+                      <a16:creationId xmlns:a16="http://schemas.microsoft.com/office/drawing/2014/main" id="{3E87AAC7-4EC1-4629-AE44-52E3004779B8}"/>
+                    </a:ext>
+                  </a:extLst>
+                </p:cNvPr>
+                <p:cNvSpPr/>
+                <p:nvPr/>
+              </p:nvSpPr>
+              <p:spPr>
+                <a:xfrm>
+                  <a:off x="10515275" y="2620437"/>
+                  <a:ext cx="660758" cy="923330"/>
+                </a:xfrm>
+                <a:prstGeom prst="rect">
+                  <a:avLst/>
+                </a:prstGeom>
+                <a:grpFill/>
+              </p:spPr>
+              <p:txBody>
+                <a:bodyPr wrap="none" lIns="91440" tIns="45720" rIns="91440" bIns="45720">
+                  <a:spAutoFit/>
+                </a:bodyPr>
+                <a:lstStyle/>
+                <a:p>
+                  <a:pPr algn="ctr"/>
+                  <a:r>
+                    <a:rPr lang="en-US" sz="5400" dirty="0">
+                      <a:ln w="0"/>
+                      <a:solidFill>
+                        <a:schemeClr val="accent6">
+                          <a:lumMod val="75000"/>
+                        </a:schemeClr>
+                      </a:solidFill>
+                      <a:effectLst>
+                        <a:outerShdw blurRad="38100" dist="19050" dir="2700000" algn="tl" rotWithShape="0">
+                          <a:schemeClr val="dk1">
+                            <a:alpha val="40000"/>
+                          </a:schemeClr>
+                        </a:outerShdw>
+                      </a:effectLst>
+                      <a:latin typeface="Biome Light" panose="020B0303030204020804" pitchFamily="34" charset="0"/>
+                      <a:cs typeface="Biome Light" panose="020B0303030204020804" pitchFamily="34" charset="0"/>
+                    </a:rPr>
+                    <a:t>A</a:t>
+                  </a:r>
+                  <a:endParaRPr lang="en-US" sz="5400" b="0" cap="none" spc="0" dirty="0">
                     <a:ln w="0"/>
                     <a:solidFill>
-                      <a:schemeClr val="tx1">
-                        <a:lumMod val="25000"/>
-                        <a:lumOff val="75000"/>
+                      <a:schemeClr val="accent6">
+                        <a:lumMod val="75000"/>
                       </a:schemeClr>
                     </a:solidFill>
                     <a:effectLst>
@@ -3390,27 +3635,775 @@
                     </a:effectLst>
                     <a:latin typeface="Biome Light" panose="020B0303030204020804" pitchFamily="34" charset="0"/>
                     <a:cs typeface="Biome Light" panose="020B0303030204020804" pitchFamily="34" charset="0"/>
-                  </a:rPr>
-                  <a:t>A</a:t>
-                </a:r>
-                <a:endParaRPr lang="en-US" sz="5400" b="0" cap="none" spc="0" dirty="0">
-                  <a:ln w="0"/>
+                  </a:endParaRPr>
+                </a:p>
+              </p:txBody>
+            </p:sp>
+          </p:grpSp>
+        </p:grpSp>
+        <p:sp>
+          <p:nvSpPr>
+            <p:cNvPr id="2050" name="Rectangle 2049">
+              <a:extLst>
+                <a:ext uri="{FF2B5EF4-FFF2-40B4-BE49-F238E27FC236}">
+                  <a16:creationId xmlns:a16="http://schemas.microsoft.com/office/drawing/2014/main" id="{8F582892-BE26-40C6-B37C-41D02EE23074}"/>
+                </a:ext>
+              </a:extLst>
+            </p:cNvPr>
+            <p:cNvSpPr/>
+            <p:nvPr/>
+          </p:nvSpPr>
+          <p:spPr>
+            <a:xfrm>
+              <a:off x="2535699" y="212871"/>
+              <a:ext cx="8078827" cy="1569660"/>
+            </a:xfrm>
+            <a:prstGeom prst="rect">
+              <a:avLst/>
+            </a:prstGeom>
+            <a:noFill/>
+          </p:spPr>
+          <p:txBody>
+            <a:bodyPr wrap="square" lIns="91440" tIns="45720" rIns="91440" bIns="45720">
+              <a:spAutoFit/>
+            </a:bodyPr>
+            <a:lstStyle/>
+            <a:p>
+              <a:pPr algn="ctr"/>
+              <a:r>
+                <a:rPr lang="en-US" sz="3200" b="1" dirty="0">
+                  <a:ln w="10160">
+                    <a:solidFill>
+                      <a:schemeClr val="accent5"/>
+                    </a:solidFill>
+                    <a:prstDash val="solid"/>
+                  </a:ln>
                   <a:solidFill>
-                    <a:schemeClr val="tx1">
-                      <a:lumMod val="25000"/>
-                      <a:lumOff val="75000"/>
-                    </a:schemeClr>
+                    <a:srgbClr val="FFFFFF"/>
                   </a:solidFill>
                   <a:effectLst>
-                    <a:outerShdw blurRad="38100" dist="19050" dir="2700000" algn="tl" rotWithShape="0">
-                      <a:schemeClr val="dk1">
-                        <a:alpha val="40000"/>
-                      </a:schemeClr>
+                    <a:outerShdw blurRad="38100" dist="22860" dir="5400000" algn="tl" rotWithShape="0">
+                      <a:srgbClr val="000000">
+                        <a:alpha val="30000"/>
+                      </a:srgbClr>
                     </a:outerShdw>
                   </a:effectLst>
-                  <a:latin typeface="Biome Light" panose="020B0303030204020804" pitchFamily="34" charset="0"/>
-                  <a:cs typeface="Biome Light" panose="020B0303030204020804" pitchFamily="34" charset="0"/>
-                </a:endParaRPr>
+                </a:rPr>
+                <a:t>Input = 50, Hidden = 25,Output = 1</a:t>
+              </a:r>
+            </a:p>
+            <a:p>
+              <a:pPr algn="ctr"/>
+              <a:endParaRPr lang="en-US" sz="3200" b="1" dirty="0">
+                <a:ln w="10160">
+                  <a:solidFill>
+                    <a:schemeClr val="accent5"/>
+                  </a:solidFill>
+                  <a:prstDash val="solid"/>
+                </a:ln>
+                <a:solidFill>
+                  <a:srgbClr val="FFFFFF"/>
+                </a:solidFill>
+                <a:effectLst>
+                  <a:outerShdw blurRad="38100" dist="22860" dir="5400000" algn="tl" rotWithShape="0">
+                    <a:srgbClr val="000000">
+                      <a:alpha val="30000"/>
+                    </a:srgbClr>
+                  </a:outerShdw>
+                </a:effectLst>
+              </a:endParaRPr>
+            </a:p>
+            <a:p>
+              <a:pPr algn="ctr"/>
+              <a:r>
+                <a:rPr lang="en-US" sz="3200" b="1" dirty="0">
+                  <a:ln w="10160">
+                    <a:solidFill>
+                      <a:schemeClr val="accent5"/>
+                    </a:solidFill>
+                    <a:prstDash val="solid"/>
+                  </a:ln>
+                  <a:solidFill>
+                    <a:srgbClr val="FFFFFF"/>
+                  </a:solidFill>
+                  <a:effectLst>
+                    <a:outerShdw blurRad="38100" dist="22860" dir="5400000" algn="tl" rotWithShape="0">
+                      <a:srgbClr val="000000">
+                        <a:alpha val="30000"/>
+                      </a:srgbClr>
+                    </a:outerShdw>
+                  </a:effectLst>
+                </a:rPr>
+                <a:t>Input = 100, </a:t>
+              </a:r>
+              <a:r>
+                <a:rPr lang="en-US" sz="3200" b="1" cap="none" spc="0" dirty="0">
+                  <a:ln w="10160">
+                    <a:solidFill>
+                      <a:schemeClr val="accent5"/>
+                    </a:solidFill>
+                    <a:prstDash val="solid"/>
+                  </a:ln>
+                  <a:solidFill>
+                    <a:srgbClr val="FFFFFF"/>
+                  </a:solidFill>
+                  <a:effectLst>
+                    <a:outerShdw blurRad="38100" dist="22860" dir="5400000" algn="tl" rotWithShape="0">
+                      <a:srgbClr val="000000">
+                        <a:alpha val="30000"/>
+                      </a:srgbClr>
+                    </a:outerShdw>
+                  </a:effectLst>
+                </a:rPr>
+                <a:t>Hidden = 50,</a:t>
+              </a:r>
+              <a:r>
+                <a:rPr lang="en-US" sz="3200" b="1" dirty="0">
+                  <a:ln w="10160">
+                    <a:solidFill>
+                      <a:schemeClr val="accent5"/>
+                    </a:solidFill>
+                    <a:prstDash val="solid"/>
+                  </a:ln>
+                  <a:solidFill>
+                    <a:srgbClr val="FFFFFF"/>
+                  </a:solidFill>
+                  <a:effectLst>
+                    <a:outerShdw blurRad="38100" dist="22860" dir="5400000" algn="tl" rotWithShape="0">
+                      <a:srgbClr val="000000">
+                        <a:alpha val="30000"/>
+                      </a:srgbClr>
+                    </a:outerShdw>
+                  </a:effectLst>
+                </a:rPr>
+                <a:t>Output = 1</a:t>
+              </a:r>
+              <a:endParaRPr lang="en-US" sz="3200" b="1" cap="none" spc="0" dirty="0">
+                <a:ln w="10160">
+                  <a:solidFill>
+                    <a:schemeClr val="accent5"/>
+                  </a:solidFill>
+                  <a:prstDash val="solid"/>
+                </a:ln>
+                <a:solidFill>
+                  <a:srgbClr val="FFFFFF"/>
+                </a:solidFill>
+                <a:effectLst>
+                  <a:outerShdw blurRad="38100" dist="22860" dir="5400000" algn="tl" rotWithShape="0">
+                    <a:srgbClr val="000000">
+                      <a:alpha val="30000"/>
+                    </a:srgbClr>
+                  </a:outerShdw>
+                </a:effectLst>
+              </a:endParaRPr>
+            </a:p>
+          </p:txBody>
+        </p:sp>
+        <p:grpSp>
+          <p:nvGrpSpPr>
+            <p:cNvPr id="2061" name="Group 2060">
+              <a:extLst>
+                <a:ext uri="{FF2B5EF4-FFF2-40B4-BE49-F238E27FC236}">
+                  <a16:creationId xmlns:a16="http://schemas.microsoft.com/office/drawing/2014/main" id="{41ADBDFC-EFA2-47F9-BAB4-27D14D65CB47}"/>
+                </a:ext>
+              </a:extLst>
+            </p:cNvPr>
+            <p:cNvGrpSpPr/>
+            <p:nvPr/>
+          </p:nvGrpSpPr>
+          <p:grpSpPr>
+            <a:xfrm>
+              <a:off x="5624387" y="1958707"/>
+              <a:ext cx="3733186" cy="4853465"/>
+              <a:chOff x="6666205" y="1977611"/>
+              <a:chExt cx="3733186" cy="4853465"/>
+            </a:xfrm>
+          </p:grpSpPr>
+          <p:grpSp>
+            <p:nvGrpSpPr>
+              <p:cNvPr id="2057" name="Group 2056">
+                <a:extLst>
+                  <a:ext uri="{FF2B5EF4-FFF2-40B4-BE49-F238E27FC236}">
+                    <a16:creationId xmlns:a16="http://schemas.microsoft.com/office/drawing/2014/main" id="{461F4E89-4C31-4907-9DFB-73F123978A02}"/>
+                  </a:ext>
+                </a:extLst>
+              </p:cNvPr>
+              <p:cNvGrpSpPr/>
+              <p:nvPr/>
+            </p:nvGrpSpPr>
+            <p:grpSpPr>
+              <a:xfrm>
+                <a:off x="6666205" y="2008860"/>
+                <a:ext cx="3733186" cy="4822216"/>
+                <a:chOff x="6666205" y="2008860"/>
+                <a:chExt cx="3733186" cy="4822216"/>
+              </a:xfrm>
+            </p:grpSpPr>
+            <p:pic>
+              <p:nvPicPr>
+                <p:cNvPr id="2049" name="Picture 2048">
+                  <a:extLst>
+                    <a:ext uri="{FF2B5EF4-FFF2-40B4-BE49-F238E27FC236}">
+                      <a16:creationId xmlns:a16="http://schemas.microsoft.com/office/drawing/2014/main" id="{35A631F5-A40E-4B2B-9DF8-A6BB3F6E88A0}"/>
+                    </a:ext>
+                  </a:extLst>
+                </p:cNvPr>
+                <p:cNvPicPr>
+                  <a:picLocks noChangeAspect="1"/>
+                </p:cNvPicPr>
+                <p:nvPr/>
+              </p:nvPicPr>
+              <p:blipFill rotWithShape="1">
+                <a:blip r:embed="rId4"/>
+                <a:srcRect r="66563"/>
+                <a:stretch/>
+              </p:blipFill>
+              <p:spPr>
+                <a:xfrm>
+                  <a:off x="6736892" y="2008860"/>
+                  <a:ext cx="3662499" cy="4822216"/>
+                </a:xfrm>
+                <a:prstGeom prst="flowChartAlternateProcess">
+                  <a:avLst/>
+                </a:prstGeom>
+              </p:spPr>
+            </p:pic>
+            <p:sp>
+              <p:nvSpPr>
+                <p:cNvPr id="2051" name="Rectangle 2050">
+                  <a:extLst>
+                    <a:ext uri="{FF2B5EF4-FFF2-40B4-BE49-F238E27FC236}">
+                      <a16:creationId xmlns:a16="http://schemas.microsoft.com/office/drawing/2014/main" id="{C43B3AE4-3BA9-4B02-81B7-97DD93CCC98F}"/>
+                    </a:ext>
+                  </a:extLst>
+                </p:cNvPr>
+                <p:cNvSpPr/>
+                <p:nvPr/>
+              </p:nvSpPr>
+              <p:spPr>
+                <a:xfrm>
+                  <a:off x="9317995" y="4640703"/>
+                  <a:ext cx="1050488" cy="738664"/>
+                </a:xfrm>
+                <a:prstGeom prst="rect">
+                  <a:avLst/>
+                </a:prstGeom>
+              </p:spPr>
+              <p:txBody>
+                <a:bodyPr wrap="square">
+                  <a:spAutoFit/>
+                </a:bodyPr>
+                <a:lstStyle/>
+                <a:p>
+                  <a:pPr algn="ctr"/>
+                  <a:r>
+                    <a:rPr lang="en-US" sz="1400" b="1" dirty="0">
+                      <a:ln w="10160">
+                        <a:solidFill>
+                          <a:schemeClr val="accent3">
+                            <a:lumMod val="75000"/>
+                          </a:schemeClr>
+                        </a:solidFill>
+                        <a:prstDash val="solid"/>
+                      </a:ln>
+                      <a:solidFill>
+                        <a:schemeClr val="accent3">
+                          <a:lumMod val="40000"/>
+                          <a:lumOff val="60000"/>
+                        </a:schemeClr>
+                      </a:solidFill>
+                      <a:effectLst>
+                        <a:outerShdw blurRad="38100" dist="22860" dir="5400000" algn="tl" rotWithShape="0">
+                          <a:srgbClr val="000000">
+                            <a:alpha val="30000"/>
+                          </a:srgbClr>
+                        </a:outerShdw>
+                      </a:effectLst>
+                    </a:rPr>
+                    <a:t>Spam</a:t>
+                  </a:r>
+                </a:p>
+                <a:p>
+                  <a:pPr algn="ctr"/>
+                  <a:r>
+                    <a:rPr lang="en-US" sz="1400" b="1" dirty="0">
+                      <a:ln w="10160">
+                        <a:solidFill>
+                          <a:schemeClr val="accent5"/>
+                        </a:solidFill>
+                        <a:prstDash val="solid"/>
+                      </a:ln>
+                      <a:solidFill>
+                        <a:srgbClr val="FFFFFF"/>
+                      </a:solidFill>
+                      <a:effectLst>
+                        <a:outerShdw blurRad="38100" dist="22860" dir="5400000" algn="tl" rotWithShape="0">
+                          <a:srgbClr val="000000">
+                            <a:alpha val="30000"/>
+                          </a:srgbClr>
+                        </a:outerShdw>
+                      </a:effectLst>
+                    </a:rPr>
+                    <a:t>or</a:t>
+                  </a:r>
+                </a:p>
+                <a:p>
+                  <a:pPr algn="ctr"/>
+                  <a:r>
+                    <a:rPr lang="en-US" sz="1400" b="1" dirty="0">
+                      <a:ln w="10160">
+                        <a:solidFill>
+                          <a:schemeClr val="accent5"/>
+                        </a:solidFill>
+                        <a:prstDash val="solid"/>
+                      </a:ln>
+                      <a:solidFill>
+                        <a:srgbClr val="FFFFFF"/>
+                      </a:solidFill>
+                      <a:effectLst>
+                        <a:outerShdw blurRad="38100" dist="22860" dir="5400000" algn="tl" rotWithShape="0">
+                          <a:srgbClr val="000000">
+                            <a:alpha val="30000"/>
+                          </a:srgbClr>
+                        </a:outerShdw>
+                      </a:effectLst>
+                    </a:rPr>
+                    <a:t> </a:t>
+                  </a:r>
+                  <a:r>
+                    <a:rPr lang="en-US" sz="1400" b="1" dirty="0">
+                      <a:ln w="10160">
+                        <a:solidFill>
+                          <a:schemeClr val="bg2">
+                            <a:lumMod val="50000"/>
+                          </a:schemeClr>
+                        </a:solidFill>
+                        <a:prstDash val="solid"/>
+                      </a:ln>
+                      <a:solidFill>
+                        <a:schemeClr val="bg2">
+                          <a:lumMod val="60000"/>
+                          <a:lumOff val="40000"/>
+                        </a:schemeClr>
+                      </a:solidFill>
+                      <a:effectLst>
+                        <a:outerShdw blurRad="38100" dist="22860" dir="5400000" algn="tl" rotWithShape="0">
+                          <a:srgbClr val="000000">
+                            <a:alpha val="30000"/>
+                          </a:srgbClr>
+                        </a:outerShdw>
+                      </a:effectLst>
+                    </a:rPr>
+                    <a:t>Ham</a:t>
+                  </a:r>
+                </a:p>
+              </p:txBody>
+            </p:sp>
+            <p:sp>
+              <p:nvSpPr>
+                <p:cNvPr id="2054" name="Rectangle 2053">
+                  <a:extLst>
+                    <a:ext uri="{FF2B5EF4-FFF2-40B4-BE49-F238E27FC236}">
+                      <a16:creationId xmlns:a16="http://schemas.microsoft.com/office/drawing/2014/main" id="{825BC388-C45E-45E2-AF35-1FF39CA8341F}"/>
+                    </a:ext>
+                  </a:extLst>
+                </p:cNvPr>
+                <p:cNvSpPr/>
+                <p:nvPr/>
+              </p:nvSpPr>
+              <p:spPr>
+                <a:xfrm>
+                  <a:off x="6666205" y="3822522"/>
+                  <a:ext cx="1111907" cy="369332"/>
+                </a:xfrm>
+                <a:prstGeom prst="rect">
+                  <a:avLst/>
+                </a:prstGeom>
+              </p:spPr>
+              <p:txBody>
+                <a:bodyPr wrap="none">
+                  <a:spAutoFit/>
+                </a:bodyPr>
+                <a:lstStyle/>
+                <a:p>
+                  <a:r>
+                    <a:rPr lang="en-US" b="1" dirty="0">
+                      <a:ln w="10160">
+                        <a:solidFill>
+                          <a:schemeClr val="accent5"/>
+                        </a:solidFill>
+                        <a:prstDash val="solid"/>
+                      </a:ln>
+                      <a:solidFill>
+                        <a:srgbClr val="FFFFFF"/>
+                      </a:solidFill>
+                      <a:effectLst>
+                        <a:outerShdw blurRad="38100" dist="22860" dir="5400000" algn="tl" rotWithShape="0">
+                          <a:srgbClr val="000000">
+                            <a:alpha val="30000"/>
+                          </a:srgbClr>
+                        </a:outerShdw>
+                      </a:effectLst>
+                    </a:rPr>
+                    <a:t>Messages</a:t>
+                  </a:r>
+                  <a:endParaRPr lang="en-US" dirty="0"/>
+                </a:p>
+              </p:txBody>
+            </p:sp>
+          </p:grpSp>
+          <p:sp>
+            <p:nvSpPr>
+              <p:cNvPr id="2055" name="Rectangle 2054">
+                <a:extLst>
+                  <a:ext uri="{FF2B5EF4-FFF2-40B4-BE49-F238E27FC236}">
+                    <a16:creationId xmlns:a16="http://schemas.microsoft.com/office/drawing/2014/main" id="{925F22C1-7279-4749-929A-F5D6573399A8}"/>
+                  </a:ext>
+                </a:extLst>
+              </p:cNvPr>
+              <p:cNvSpPr/>
+              <p:nvPr/>
+            </p:nvSpPr>
+            <p:spPr>
+              <a:xfrm>
+                <a:off x="9247902" y="1977611"/>
+                <a:ext cx="466350" cy="400110"/>
+              </a:xfrm>
+              <a:prstGeom prst="rect">
+                <a:avLst/>
+              </a:prstGeom>
+              <a:noFill/>
+            </p:spPr>
+            <p:txBody>
+              <a:bodyPr wrap="square" lIns="91440" tIns="45720" rIns="91440" bIns="45720">
+                <a:spAutoFit/>
+              </a:bodyPr>
+              <a:lstStyle/>
+              <a:p>
+                <a:pPr algn="ctr"/>
+                <a:r>
+                  <a:rPr lang="en-US" sz="2000" b="1" cap="none" spc="0" dirty="0">
+                    <a:ln w="0"/>
+                    <a:solidFill>
+                      <a:schemeClr val="tx2">
+                        <a:lumMod val="65000"/>
+                        <a:lumOff val="35000"/>
+                      </a:schemeClr>
+                    </a:solidFill>
+                    <a:effectLst>
+                      <a:outerShdw blurRad="38100" dist="19050" dir="2700000" algn="tl" rotWithShape="0">
+                        <a:schemeClr val="dk1">
+                          <a:alpha val="40000"/>
+                        </a:schemeClr>
+                      </a:outerShdw>
+                    </a:effectLst>
+                  </a:rPr>
+                  <a:t>1</a:t>
+                </a:r>
+              </a:p>
+            </p:txBody>
+          </p:sp>
+        </p:grpSp>
+        <p:grpSp>
+          <p:nvGrpSpPr>
+            <p:cNvPr id="2059" name="Group 2058">
+              <a:extLst>
+                <a:ext uri="{FF2B5EF4-FFF2-40B4-BE49-F238E27FC236}">
+                  <a16:creationId xmlns:a16="http://schemas.microsoft.com/office/drawing/2014/main" id="{3B452ED7-63C8-4D14-973E-FF8484132134}"/>
+                </a:ext>
+              </a:extLst>
+            </p:cNvPr>
+            <p:cNvGrpSpPr/>
+            <p:nvPr/>
+          </p:nvGrpSpPr>
+          <p:grpSpPr>
+            <a:xfrm>
+              <a:off x="1659907" y="1928711"/>
+              <a:ext cx="3733186" cy="4876196"/>
+              <a:chOff x="2701725" y="1947615"/>
+              <a:chExt cx="3733186" cy="4876196"/>
+            </a:xfrm>
+          </p:grpSpPr>
+          <p:grpSp>
+            <p:nvGrpSpPr>
+              <p:cNvPr id="58" name="Group 57">
+                <a:extLst>
+                  <a:ext uri="{FF2B5EF4-FFF2-40B4-BE49-F238E27FC236}">
+                    <a16:creationId xmlns:a16="http://schemas.microsoft.com/office/drawing/2014/main" id="{B7199F55-E30A-40E9-A4AA-999C62C7ACA4}"/>
+                  </a:ext>
+                </a:extLst>
+              </p:cNvPr>
+              <p:cNvGrpSpPr/>
+              <p:nvPr/>
+            </p:nvGrpSpPr>
+            <p:grpSpPr>
+              <a:xfrm>
+                <a:off x="2701725" y="2001595"/>
+                <a:ext cx="3733186" cy="4822216"/>
+                <a:chOff x="6666205" y="2008860"/>
+                <a:chExt cx="3733186" cy="4822216"/>
+              </a:xfrm>
+            </p:grpSpPr>
+            <p:pic>
+              <p:nvPicPr>
+                <p:cNvPr id="59" name="Picture 58">
+                  <a:extLst>
+                    <a:ext uri="{FF2B5EF4-FFF2-40B4-BE49-F238E27FC236}">
+                      <a16:creationId xmlns:a16="http://schemas.microsoft.com/office/drawing/2014/main" id="{1773DECD-0CDF-47F6-9649-2DB7ED5F2352}"/>
+                    </a:ext>
+                  </a:extLst>
+                </p:cNvPr>
+                <p:cNvPicPr>
+                  <a:picLocks noChangeAspect="1"/>
+                </p:cNvPicPr>
+                <p:nvPr/>
+              </p:nvPicPr>
+              <p:blipFill rotWithShape="1">
+                <a:blip r:embed="rId4"/>
+                <a:srcRect r="66563"/>
+                <a:stretch/>
+              </p:blipFill>
+              <p:spPr>
+                <a:xfrm>
+                  <a:off x="6736892" y="2008860"/>
+                  <a:ext cx="3662499" cy="4822216"/>
+                </a:xfrm>
+                <a:prstGeom prst="flowChartAlternateProcess">
+                  <a:avLst/>
+                </a:prstGeom>
+              </p:spPr>
+            </p:pic>
+            <p:sp>
+              <p:nvSpPr>
+                <p:cNvPr id="60" name="Rectangle 59">
+                  <a:extLst>
+                    <a:ext uri="{FF2B5EF4-FFF2-40B4-BE49-F238E27FC236}">
+                      <a16:creationId xmlns:a16="http://schemas.microsoft.com/office/drawing/2014/main" id="{F47B3ADC-5BA4-4FE7-BC23-A8C8E0788C16}"/>
+                    </a:ext>
+                  </a:extLst>
+                </p:cNvPr>
+                <p:cNvSpPr/>
+                <p:nvPr/>
+              </p:nvSpPr>
+              <p:spPr>
+                <a:xfrm>
+                  <a:off x="9317995" y="4640703"/>
+                  <a:ext cx="1050488" cy="738664"/>
+                </a:xfrm>
+                <a:prstGeom prst="rect">
+                  <a:avLst/>
+                </a:prstGeom>
+              </p:spPr>
+              <p:txBody>
+                <a:bodyPr wrap="square">
+                  <a:spAutoFit/>
+                </a:bodyPr>
+                <a:lstStyle/>
+                <a:p>
+                  <a:pPr algn="ctr"/>
+                  <a:r>
+                    <a:rPr lang="en-US" sz="1400" b="1" dirty="0">
+                      <a:ln w="10160">
+                        <a:solidFill>
+                          <a:schemeClr val="accent3">
+                            <a:lumMod val="75000"/>
+                          </a:schemeClr>
+                        </a:solidFill>
+                        <a:prstDash val="solid"/>
+                      </a:ln>
+                      <a:solidFill>
+                        <a:schemeClr val="accent3">
+                          <a:lumMod val="40000"/>
+                          <a:lumOff val="60000"/>
+                        </a:schemeClr>
+                      </a:solidFill>
+                      <a:effectLst>
+                        <a:outerShdw blurRad="38100" dist="22860" dir="5400000" algn="tl" rotWithShape="0">
+                          <a:srgbClr val="000000">
+                            <a:alpha val="30000"/>
+                          </a:srgbClr>
+                        </a:outerShdw>
+                      </a:effectLst>
+                    </a:rPr>
+                    <a:t>Spam</a:t>
+                  </a:r>
+                </a:p>
+                <a:p>
+                  <a:pPr algn="ctr"/>
+                  <a:r>
+                    <a:rPr lang="en-US" sz="1400" b="1" dirty="0">
+                      <a:ln w="10160">
+                        <a:solidFill>
+                          <a:schemeClr val="accent5"/>
+                        </a:solidFill>
+                        <a:prstDash val="solid"/>
+                      </a:ln>
+                      <a:solidFill>
+                        <a:srgbClr val="FFFFFF"/>
+                      </a:solidFill>
+                      <a:effectLst>
+                        <a:outerShdw blurRad="38100" dist="22860" dir="5400000" algn="tl" rotWithShape="0">
+                          <a:srgbClr val="000000">
+                            <a:alpha val="30000"/>
+                          </a:srgbClr>
+                        </a:outerShdw>
+                      </a:effectLst>
+                    </a:rPr>
+                    <a:t>or</a:t>
+                  </a:r>
+                </a:p>
+                <a:p>
+                  <a:pPr algn="ctr"/>
+                  <a:r>
+                    <a:rPr lang="en-US" sz="1400" b="1" dirty="0">
+                      <a:ln w="10160">
+                        <a:solidFill>
+                          <a:schemeClr val="accent5"/>
+                        </a:solidFill>
+                        <a:prstDash val="solid"/>
+                      </a:ln>
+                      <a:solidFill>
+                        <a:srgbClr val="FFFFFF"/>
+                      </a:solidFill>
+                      <a:effectLst>
+                        <a:outerShdw blurRad="38100" dist="22860" dir="5400000" algn="tl" rotWithShape="0">
+                          <a:srgbClr val="000000">
+                            <a:alpha val="30000"/>
+                          </a:srgbClr>
+                        </a:outerShdw>
+                      </a:effectLst>
+                    </a:rPr>
+                    <a:t> </a:t>
+                  </a:r>
+                  <a:r>
+                    <a:rPr lang="en-US" sz="1400" b="1" dirty="0">
+                      <a:ln w="10160">
+                        <a:solidFill>
+                          <a:schemeClr val="bg2">
+                            <a:lumMod val="50000"/>
+                          </a:schemeClr>
+                        </a:solidFill>
+                        <a:prstDash val="solid"/>
+                      </a:ln>
+                      <a:solidFill>
+                        <a:schemeClr val="bg2">
+                          <a:lumMod val="60000"/>
+                          <a:lumOff val="40000"/>
+                        </a:schemeClr>
+                      </a:solidFill>
+                      <a:effectLst>
+                        <a:outerShdw blurRad="38100" dist="22860" dir="5400000" algn="tl" rotWithShape="0">
+                          <a:srgbClr val="000000">
+                            <a:alpha val="30000"/>
+                          </a:srgbClr>
+                        </a:outerShdw>
+                      </a:effectLst>
+                    </a:rPr>
+                    <a:t>Ham</a:t>
+                  </a:r>
+                </a:p>
+              </p:txBody>
+            </p:sp>
+            <p:sp>
+              <p:nvSpPr>
+                <p:cNvPr id="61" name="Rectangle 60">
+                  <a:extLst>
+                    <a:ext uri="{FF2B5EF4-FFF2-40B4-BE49-F238E27FC236}">
+                      <a16:creationId xmlns:a16="http://schemas.microsoft.com/office/drawing/2014/main" id="{4CAF6C95-7B87-46CF-ABAD-EF2B44FCCE71}"/>
+                    </a:ext>
+                  </a:extLst>
+                </p:cNvPr>
+                <p:cNvSpPr/>
+                <p:nvPr/>
+              </p:nvSpPr>
+              <p:spPr>
+                <a:xfrm>
+                  <a:off x="6666205" y="3822522"/>
+                  <a:ext cx="1111907" cy="369332"/>
+                </a:xfrm>
+                <a:prstGeom prst="rect">
+                  <a:avLst/>
+                </a:prstGeom>
+              </p:spPr>
+              <p:txBody>
+                <a:bodyPr wrap="none">
+                  <a:spAutoFit/>
+                </a:bodyPr>
+                <a:lstStyle/>
+                <a:p>
+                  <a:r>
+                    <a:rPr lang="en-US" b="1" dirty="0">
+                      <a:ln w="10160">
+                        <a:solidFill>
+                          <a:schemeClr val="accent5"/>
+                        </a:solidFill>
+                        <a:prstDash val="solid"/>
+                      </a:ln>
+                      <a:solidFill>
+                        <a:srgbClr val="FFFFFF"/>
+                      </a:solidFill>
+                      <a:effectLst>
+                        <a:outerShdw blurRad="38100" dist="22860" dir="5400000" algn="tl" rotWithShape="0">
+                          <a:srgbClr val="000000">
+                            <a:alpha val="30000"/>
+                          </a:srgbClr>
+                        </a:outerShdw>
+                      </a:effectLst>
+                    </a:rPr>
+                    <a:t>Messages</a:t>
+                  </a:r>
+                  <a:endParaRPr lang="en-US" dirty="0"/>
+                </a:p>
+              </p:txBody>
+            </p:sp>
+          </p:grpSp>
+          <p:sp>
+            <p:nvSpPr>
+              <p:cNvPr id="2058" name="Rectangle 2057">
+                <a:extLst>
+                  <a:ext uri="{FF2B5EF4-FFF2-40B4-BE49-F238E27FC236}">
+                    <a16:creationId xmlns:a16="http://schemas.microsoft.com/office/drawing/2014/main" id="{D4D11763-06DF-4D8F-8B45-A6F7A7179016}"/>
+                  </a:ext>
+                </a:extLst>
+              </p:cNvPr>
+              <p:cNvSpPr/>
+              <p:nvPr/>
+            </p:nvSpPr>
+            <p:spPr>
+              <a:xfrm>
+                <a:off x="5353515" y="1947615"/>
+                <a:ext cx="301686" cy="369332"/>
+              </a:xfrm>
+              <a:prstGeom prst="rect">
+                <a:avLst/>
+              </a:prstGeom>
+            </p:spPr>
+            <p:txBody>
+              <a:bodyPr wrap="none">
+                <a:spAutoFit/>
+              </a:bodyPr>
+              <a:lstStyle/>
+              <a:p>
+                <a:pPr algn="ctr"/>
+                <a:r>
+                  <a:rPr lang="en-US" b="1" dirty="0">
+                    <a:ln w="0"/>
+                    <a:solidFill>
+                      <a:schemeClr val="tx2">
+                        <a:lumMod val="65000"/>
+                        <a:lumOff val="35000"/>
+                      </a:schemeClr>
+                    </a:solidFill>
+                    <a:effectLst>
+                      <a:outerShdw blurRad="38100" dist="19050" dir="2700000" algn="tl" rotWithShape="0">
+                        <a:schemeClr val="dk1">
+                          <a:alpha val="40000"/>
+                        </a:schemeClr>
+                      </a:outerShdw>
+                    </a:effectLst>
+                  </a:rPr>
+                  <a:t>2</a:t>
+                </a:r>
               </a:p>
             </p:txBody>
           </p:sp>
@@ -3418,10 +4411,10 @@
       </p:grpSp>
       <p:grpSp>
         <p:nvGrpSpPr>
-          <p:cNvPr id="14" name="Group 13">
+          <p:cNvPr id="2068" name="Group 2067">
             <a:extLst>
               <a:ext uri="{FF2B5EF4-FFF2-40B4-BE49-F238E27FC236}">
-                <a16:creationId xmlns:a16="http://schemas.microsoft.com/office/drawing/2014/main" id="{07F9BAB3-7AA0-4DC0-B43F-CD7C4E49C426}"/>
+                <a16:creationId xmlns:a16="http://schemas.microsoft.com/office/drawing/2014/main" id="{EF5B86C0-5F3C-4858-8EA1-1512F5214EE5}"/>
               </a:ext>
             </a:extLst>
           </p:cNvPr>
@@ -3430,30 +4423,256 @@
         </p:nvGrpSpPr>
         <p:grpSpPr>
           <a:xfrm>
-            <a:off x="-1915058" y="0"/>
-            <a:ext cx="11317528" cy="6858000"/>
-            <a:chOff x="0" y="0"/>
-            <a:chExt cx="11317528" cy="6858000"/>
+            <a:off x="-8760478" y="77650"/>
+            <a:ext cx="11366632" cy="6858000"/>
+            <a:chOff x="-165346" y="77650"/>
+            <a:chExt cx="11366632" cy="6858000"/>
           </a:xfrm>
-          <a:solidFill>
-            <a:schemeClr val="accent3">
-              <a:lumMod val="75000"/>
-            </a:schemeClr>
-          </a:solidFill>
-          <a:effectLst>
-            <a:outerShdw blurRad="254000" dist="88900" algn="l" rotWithShape="0">
-              <a:prstClr val="black">
-                <a:alpha val="51000"/>
-              </a:prstClr>
-            </a:outerShdw>
-          </a:effectLst>
         </p:grpSpPr>
+        <p:grpSp>
+          <p:nvGrpSpPr>
+            <p:cNvPr id="46" name="Group 45">
+              <a:extLst>
+                <a:ext uri="{FF2B5EF4-FFF2-40B4-BE49-F238E27FC236}">
+                  <a16:creationId xmlns:a16="http://schemas.microsoft.com/office/drawing/2014/main" id="{56F4A350-8320-4555-80CB-82C4D6C755C4}"/>
+                </a:ext>
+              </a:extLst>
+            </p:cNvPr>
+            <p:cNvGrpSpPr/>
+            <p:nvPr/>
+          </p:nvGrpSpPr>
+          <p:grpSpPr>
+            <a:xfrm>
+              <a:off x="-165346" y="77650"/>
+              <a:ext cx="11366632" cy="6858000"/>
+              <a:chOff x="0" y="0"/>
+              <a:chExt cx="11366632" cy="6858000"/>
+            </a:xfrm>
+            <a:solidFill>
+              <a:schemeClr val="accent1">
+                <a:lumMod val="40000"/>
+                <a:lumOff val="60000"/>
+              </a:schemeClr>
+            </a:solidFill>
+            <a:effectLst>
+              <a:outerShdw blurRad="254000" dist="88900" algn="l" rotWithShape="0">
+                <a:prstClr val="black">
+                  <a:alpha val="51000"/>
+                </a:prstClr>
+              </a:outerShdw>
+            </a:effectLst>
+          </p:grpSpPr>
+          <p:sp>
+            <p:nvSpPr>
+              <p:cNvPr id="47" name="Rectangle: Rounded Corners 46">
+                <a:extLst>
+                  <a:ext uri="{FF2B5EF4-FFF2-40B4-BE49-F238E27FC236}">
+                    <a16:creationId xmlns:a16="http://schemas.microsoft.com/office/drawing/2014/main" id="{859FE815-CBF7-478E-AB86-82931C00E5E1}"/>
+                  </a:ext>
+                </a:extLst>
+              </p:cNvPr>
+              <p:cNvSpPr/>
+              <p:nvPr/>
+            </p:nvSpPr>
+            <p:spPr>
+              <a:xfrm>
+                <a:off x="10429372" y="1471650"/>
+                <a:ext cx="937260" cy="1097280"/>
+              </a:xfrm>
+              <a:prstGeom prst="roundRect">
+                <a:avLst/>
+              </a:prstGeom>
+              <a:solidFill>
+                <a:schemeClr val="bg1">
+                  <a:lumMod val="75000"/>
+                </a:schemeClr>
+              </a:solidFill>
+              <a:ln>
+                <a:noFill/>
+              </a:ln>
+            </p:spPr>
+            <p:style>
+              <a:lnRef idx="2">
+                <a:schemeClr val="accent1">
+                  <a:shade val="50000"/>
+                </a:schemeClr>
+              </a:lnRef>
+              <a:fillRef idx="1">
+                <a:schemeClr val="accent1"/>
+              </a:fillRef>
+              <a:effectRef idx="0">
+                <a:schemeClr val="accent1"/>
+              </a:effectRef>
+              <a:fontRef idx="minor">
+                <a:schemeClr val="lt1"/>
+              </a:fontRef>
+            </p:style>
+            <p:txBody>
+              <a:bodyPr rtlCol="0" anchor="ctr"/>
+              <a:lstStyle/>
+              <a:p>
+                <a:pPr algn="ctr"/>
+                <a:endParaRPr lang="en-US">
+                  <a:ln w="0"/>
+                  <a:solidFill>
+                    <a:schemeClr val="accent1"/>
+                  </a:solidFill>
+                  <a:effectLst>
+                    <a:outerShdw blurRad="38100" dist="25400" dir="5400000" algn="ctr" rotWithShape="0">
+                      <a:srgbClr val="6E747A">
+                        <a:alpha val="43000"/>
+                      </a:srgbClr>
+                    </a:outerShdw>
+                  </a:effectLst>
+                </a:endParaRPr>
+              </a:p>
+            </p:txBody>
+          </p:sp>
+          <p:grpSp>
+            <p:nvGrpSpPr>
+              <p:cNvPr id="48" name="Group 47">
+                <a:extLst>
+                  <a:ext uri="{FF2B5EF4-FFF2-40B4-BE49-F238E27FC236}">
+                    <a16:creationId xmlns:a16="http://schemas.microsoft.com/office/drawing/2014/main" id="{EAA774E6-688F-4DC3-B36A-0DA7CA526F9E}"/>
+                  </a:ext>
+                </a:extLst>
+              </p:cNvPr>
+              <p:cNvGrpSpPr/>
+              <p:nvPr/>
+            </p:nvGrpSpPr>
+            <p:grpSpPr>
+              <a:xfrm>
+                <a:off x="0" y="0"/>
+                <a:ext cx="11263782" cy="6858000"/>
+                <a:chOff x="0" y="0"/>
+                <a:chExt cx="11263782" cy="6858000"/>
+              </a:xfrm>
+              <a:grpFill/>
+            </p:grpSpPr>
+            <p:sp>
+              <p:nvSpPr>
+                <p:cNvPr id="49" name="Rectangle 48">
+                  <a:extLst>
+                    <a:ext uri="{FF2B5EF4-FFF2-40B4-BE49-F238E27FC236}">
+                      <a16:creationId xmlns:a16="http://schemas.microsoft.com/office/drawing/2014/main" id="{E75EF158-88D4-4AA3-8BF1-67B6AE7739E1}"/>
+                    </a:ext>
+                  </a:extLst>
+                </p:cNvPr>
+                <p:cNvSpPr/>
+                <p:nvPr/>
+              </p:nvSpPr>
+              <p:spPr>
+                <a:xfrm>
+                  <a:off x="0" y="0"/>
+                  <a:ext cx="10492740" cy="6858000"/>
+                </a:xfrm>
+                <a:prstGeom prst="rect">
+                  <a:avLst/>
+                </a:prstGeom>
+                <a:solidFill>
+                  <a:schemeClr val="bg1">
+                    <a:lumMod val="75000"/>
+                  </a:schemeClr>
+                </a:solidFill>
+                <a:ln>
+                  <a:noFill/>
+                </a:ln>
+              </p:spPr>
+              <p:style>
+                <a:lnRef idx="2">
+                  <a:schemeClr val="accent1">
+                    <a:shade val="50000"/>
+                  </a:schemeClr>
+                </a:lnRef>
+                <a:fillRef idx="1">
+                  <a:schemeClr val="accent1"/>
+                </a:fillRef>
+                <a:effectRef idx="0">
+                  <a:schemeClr val="accent1"/>
+                </a:effectRef>
+                <a:fontRef idx="minor">
+                  <a:schemeClr val="lt1"/>
+                </a:fontRef>
+              </p:style>
+              <p:txBody>
+                <a:bodyPr rtlCol="0" anchor="ctr"/>
+                <a:lstStyle/>
+                <a:p>
+                  <a:pPr algn="ctr"/>
+                  <a:endParaRPr lang="en-US" dirty="0">
+                    <a:ln w="0"/>
+                    <a:solidFill>
+                      <a:schemeClr val="accent1"/>
+                    </a:solidFill>
+                    <a:effectLst>
+                      <a:outerShdw blurRad="38100" dist="25400" dir="5400000" algn="ctr" rotWithShape="0">
+                        <a:srgbClr val="6E747A">
+                          <a:alpha val="43000"/>
+                        </a:srgbClr>
+                      </a:outerShdw>
+                    </a:effectLst>
+                  </a:endParaRPr>
+                </a:p>
+              </p:txBody>
+            </p:sp>
+            <p:sp>
+              <p:nvSpPr>
+                <p:cNvPr id="50" name="Rectangle 49">
+                  <a:extLst>
+                    <a:ext uri="{FF2B5EF4-FFF2-40B4-BE49-F238E27FC236}">
+                      <a16:creationId xmlns:a16="http://schemas.microsoft.com/office/drawing/2014/main" id="{C0066B14-6283-48F8-A28B-7FD23FEE69E8}"/>
+                    </a:ext>
+                  </a:extLst>
+                </p:cNvPr>
+                <p:cNvSpPr/>
+                <p:nvPr/>
+              </p:nvSpPr>
+              <p:spPr>
+                <a:xfrm>
+                  <a:off x="10603024" y="1520139"/>
+                  <a:ext cx="660758" cy="923330"/>
+                </a:xfrm>
+                <a:prstGeom prst="rect">
+                  <a:avLst/>
+                </a:prstGeom>
+                <a:noFill/>
+              </p:spPr>
+              <p:txBody>
+                <a:bodyPr wrap="none" lIns="91440" tIns="45720" rIns="91440" bIns="45720">
+                  <a:spAutoFit/>
+                </a:bodyPr>
+                <a:lstStyle/>
+                <a:p>
+                  <a:pPr algn="ctr"/>
+                  <a:r>
+                    <a:rPr lang="en-US" sz="5400" dirty="0">
+                      <a:ln w="0"/>
+                      <a:solidFill>
+                        <a:schemeClr val="bg2"/>
+                      </a:solidFill>
+                      <a:effectLst>
+                        <a:outerShdw blurRad="38100" dist="25400" dir="5400000" algn="ctr" rotWithShape="0">
+                          <a:srgbClr val="6E747A">
+                            <a:alpha val="43000"/>
+                          </a:srgbClr>
+                        </a:outerShdw>
+                      </a:effectLst>
+                      <a:latin typeface="Biome Light" panose="020B0303030204020804" pitchFamily="34" charset="0"/>
+                      <a:cs typeface="Biome Light" panose="020B0303030204020804" pitchFamily="34" charset="0"/>
+                    </a:rPr>
+                    <a:t>A</a:t>
+                  </a:r>
+                </a:p>
+              </p:txBody>
+            </p:sp>
+          </p:grpSp>
+        </p:grpSp>
         <p:sp>
           <p:nvSpPr>
-            <p:cNvPr id="15" name="Rectangle: Rounded Corners 14">
+            <p:cNvPr id="2066" name="Rectangle 2065">
               <a:extLst>
                 <a:ext uri="{FF2B5EF4-FFF2-40B4-BE49-F238E27FC236}">
-                  <a16:creationId xmlns:a16="http://schemas.microsoft.com/office/drawing/2014/main" id="{7B6640F3-18BE-4BCC-AAA7-23BBA9F4BCAE}"/>
+                  <a16:creationId xmlns:a16="http://schemas.microsoft.com/office/drawing/2014/main" id="{F3D8753A-31BC-4811-9C0E-995CE65D6759}"/>
                 </a:ext>
               </a:extLst>
             </p:cNvPr>
@@ -3462,48 +4681,241 @@
           </p:nvSpPr>
           <p:spPr>
             <a:xfrm>
-              <a:off x="10380268" y="642273"/>
-              <a:ext cx="937260" cy="1097280"/>
+              <a:off x="2170743" y="307911"/>
+              <a:ext cx="5808642" cy="923330"/>
             </a:xfrm>
-            <a:prstGeom prst="roundRect">
+            <a:prstGeom prst="rect">
               <a:avLst/>
             </a:prstGeom>
-            <a:grpFill/>
-            <a:ln>
-              <a:noFill/>
-            </a:ln>
+            <a:noFill/>
           </p:spPr>
-          <p:style>
-            <a:lnRef idx="2">
-              <a:schemeClr val="accent1">
-                <a:shade val="50000"/>
-              </a:schemeClr>
-            </a:lnRef>
-            <a:fillRef idx="1">
-              <a:schemeClr val="accent1"/>
-            </a:fillRef>
-            <a:effectRef idx="0">
-              <a:schemeClr val="accent1"/>
-            </a:effectRef>
-            <a:fontRef idx="minor">
-              <a:schemeClr val="lt1"/>
-            </a:fontRef>
-          </p:style>
           <p:txBody>
-            <a:bodyPr rtlCol="0" anchor="ctr"/>
+            <a:bodyPr wrap="none" lIns="91440" tIns="45720" rIns="91440" bIns="45720">
+              <a:spAutoFit/>
+            </a:bodyPr>
             <a:lstStyle/>
             <a:p>
               <a:pPr algn="ctr"/>
-              <a:endParaRPr lang="en-US"/>
+              <a:r>
+                <a:rPr lang="en-US" sz="5400" b="1" dirty="0">
+                  <a:ln w="12700">
+                    <a:solidFill>
+                      <a:schemeClr val="tx1"/>
+                    </a:solidFill>
+                    <a:prstDash val="solid"/>
+                  </a:ln>
+                  <a:pattFill prst="dkUpDiag">
+                    <a:fgClr>
+                      <a:schemeClr val="tx2"/>
+                    </a:fgClr>
+                    <a:bgClr>
+                      <a:schemeClr val="tx2">
+                        <a:lumMod val="20000"/>
+                        <a:lumOff val="80000"/>
+                      </a:schemeClr>
+                    </a:bgClr>
+                  </a:pattFill>
+                  <a:effectLst>
+                    <a:outerShdw dist="38100" dir="2640000" algn="bl" rotWithShape="0">
+                      <a:schemeClr val="tx2">
+                        <a:lumMod val="75000"/>
+                      </a:schemeClr>
+                    </a:outerShdw>
+                  </a:effectLst>
+                </a:rPr>
+                <a:t>Steps to Implement</a:t>
+              </a:r>
             </a:p>
           </p:txBody>
         </p:sp>
+        <p:sp>
+          <p:nvSpPr>
+            <p:cNvPr id="2067" name="Rectangle 2066">
+              <a:extLst>
+                <a:ext uri="{FF2B5EF4-FFF2-40B4-BE49-F238E27FC236}">
+                  <a16:creationId xmlns:a16="http://schemas.microsoft.com/office/drawing/2014/main" id="{B02A65C3-935A-4281-949D-83F9D15AB396}"/>
+                </a:ext>
+              </a:extLst>
+            </p:cNvPr>
+            <p:cNvSpPr/>
+            <p:nvPr/>
+          </p:nvSpPr>
+          <p:spPr>
+            <a:xfrm>
+              <a:off x="1508516" y="1367239"/>
+              <a:ext cx="7611956" cy="3046988"/>
+            </a:xfrm>
+            <a:prstGeom prst="rect">
+              <a:avLst/>
+            </a:prstGeom>
+            <a:noFill/>
+          </p:spPr>
+          <p:txBody>
+            <a:bodyPr wrap="none" lIns="91440" tIns="45720" rIns="91440" bIns="45720">
+              <a:spAutoFit/>
+            </a:bodyPr>
+            <a:lstStyle/>
+            <a:p>
+              <a:pPr marL="914400" indent="-914400" algn="ctr">
+                <a:buAutoNum type="arabicPeriod"/>
+              </a:pPr>
+              <a:r>
+                <a:rPr lang="en-US" sz="4800" b="1" dirty="0">
+                  <a:ln w="22225">
+                    <a:solidFill>
+                      <a:schemeClr val="bg2">
+                        <a:lumMod val="50000"/>
+                      </a:schemeClr>
+                    </a:solidFill>
+                    <a:prstDash val="solid"/>
+                  </a:ln>
+                  <a:solidFill>
+                    <a:schemeClr val="bg2">
+                      <a:lumMod val="40000"/>
+                      <a:lumOff val="60000"/>
+                    </a:schemeClr>
+                  </a:solidFill>
+                </a:rPr>
+                <a:t>Prepping the text data</a:t>
+              </a:r>
+            </a:p>
+            <a:p>
+              <a:pPr marL="914400" indent="-914400" algn="ctr">
+                <a:buAutoNum type="arabicPeriod"/>
+              </a:pPr>
+              <a:r>
+                <a:rPr lang="en-US" sz="4800" b="1" dirty="0">
+                  <a:ln w="22225">
+                    <a:solidFill>
+                      <a:schemeClr val="bg2">
+                        <a:lumMod val="50000"/>
+                      </a:schemeClr>
+                    </a:solidFill>
+                    <a:prstDash val="solid"/>
+                  </a:ln>
+                  <a:solidFill>
+                    <a:schemeClr val="bg2">
+                      <a:lumMod val="40000"/>
+                      <a:lumOff val="60000"/>
+                    </a:schemeClr>
+                  </a:solidFill>
+                </a:rPr>
+                <a:t>Store Top Word 50 Words</a:t>
+              </a:r>
+            </a:p>
+            <a:p>
+              <a:pPr marL="914400" indent="-914400" algn="ctr">
+                <a:buAutoNum type="arabicPeriod"/>
+              </a:pPr>
+              <a:r>
+                <a:rPr lang="en-US" sz="4800" b="1" dirty="0">
+                  <a:ln w="22225">
+                    <a:solidFill>
+                      <a:schemeClr val="bg2">
+                        <a:lumMod val="50000"/>
+                      </a:schemeClr>
+                    </a:solidFill>
+                    <a:prstDash val="solid"/>
+                  </a:ln>
+                  <a:solidFill>
+                    <a:schemeClr val="bg2">
+                      <a:lumMod val="40000"/>
+                      <a:lumOff val="60000"/>
+                    </a:schemeClr>
+                  </a:solidFill>
+                  <a:effectLst>
+                    <a:outerShdw blurRad="38100" dist="25400" dir="5400000" algn="ctr" rotWithShape="0">
+                      <a:srgbClr val="6E747A">
+                        <a:alpha val="43000"/>
+                      </a:srgbClr>
+                    </a:outerShdw>
+                  </a:effectLst>
+                </a:rPr>
+                <a:t>Extracting process</a:t>
+              </a:r>
+            </a:p>
+            <a:p>
+              <a:pPr marL="914400" indent="-914400" algn="ctr">
+                <a:buAutoNum type="arabicPeriod"/>
+              </a:pPr>
+              <a:r>
+                <a:rPr lang="en-US" sz="4800" b="1" dirty="0">
+                  <a:ln w="22225">
+                    <a:solidFill>
+                      <a:schemeClr val="bg2">
+                        <a:lumMod val="50000"/>
+                      </a:schemeClr>
+                    </a:solidFill>
+                    <a:prstDash val="solid"/>
+                  </a:ln>
+                  <a:solidFill>
+                    <a:schemeClr val="bg2">
+                      <a:lumMod val="40000"/>
+                      <a:lumOff val="60000"/>
+                    </a:schemeClr>
+                  </a:solidFill>
+                  <a:effectLst>
+                    <a:outerShdw blurRad="38100" dist="25400" dir="5400000" algn="ctr" rotWithShape="0">
+                      <a:srgbClr val="6E747A">
+                        <a:alpha val="43000"/>
+                      </a:srgbClr>
+                    </a:outerShdw>
+                  </a:effectLst>
+                </a:rPr>
+                <a:t>Training the classifier</a:t>
+              </a:r>
+              <a:endParaRPr lang="en-US" sz="4800" dirty="0">
+                <a:ln w="0">
+                  <a:solidFill>
+                    <a:schemeClr val="bg2">
+                      <a:lumMod val="50000"/>
+                    </a:schemeClr>
+                  </a:solidFill>
+                </a:ln>
+                <a:solidFill>
+                  <a:schemeClr val="bg2">
+                    <a:lumMod val="40000"/>
+                    <a:lumOff val="60000"/>
+                  </a:schemeClr>
+                </a:solidFill>
+                <a:effectLst>
+                  <a:outerShdw blurRad="38100" dist="25400" dir="5400000" algn="ctr" rotWithShape="0">
+                    <a:srgbClr val="6E747A">
+                      <a:alpha val="43000"/>
+                    </a:srgbClr>
+                  </a:outerShdw>
+                </a:effectLst>
+              </a:endParaRPr>
+            </a:p>
+          </p:txBody>
+        </p:sp>
+      </p:grpSp>
+      <p:grpSp>
+        <p:nvGrpSpPr>
+          <p:cNvPr id="2070" name="Group 2069">
+            <a:extLst>
+              <a:ext uri="{FF2B5EF4-FFF2-40B4-BE49-F238E27FC236}">
+                <a16:creationId xmlns:a16="http://schemas.microsoft.com/office/drawing/2014/main" id="{8B08090A-02CE-4C5C-9C24-0421CEB5DAE5}"/>
+              </a:ext>
+            </a:extLst>
+          </p:cNvPr>
+          <p:cNvGrpSpPr/>
+          <p:nvPr/>
+        </p:nvGrpSpPr>
+        <p:grpSpPr>
+          <a:xfrm>
+            <a:off x="-8686523" y="40368"/>
+            <a:ext cx="11267615" cy="6858000"/>
+            <a:chOff x="-650899" y="134953"/>
+            <a:chExt cx="11267615" cy="6858000"/>
+          </a:xfrm>
+        </p:grpSpPr>
         <p:grpSp>
           <p:nvGrpSpPr>
-            <p:cNvPr id="16" name="Group 15">
+            <p:cNvPr id="74" name="Group 73">
               <a:extLst>
                 <a:ext uri="{FF2B5EF4-FFF2-40B4-BE49-F238E27FC236}">
-                  <a16:creationId xmlns:a16="http://schemas.microsoft.com/office/drawing/2014/main" id="{98F60AA0-8C72-4F25-BA34-07729756A857}"/>
+                  <a16:creationId xmlns:a16="http://schemas.microsoft.com/office/drawing/2014/main" id="{671521EE-59E2-440B-99F4-06E3C7F2FA85}"/>
                 </a:ext>
               </a:extLst>
             </p:cNvPr>
@@ -3512,19 +4924,28 @@
           </p:nvGrpSpPr>
           <p:grpSpPr>
             <a:xfrm>
-              <a:off x="0" y="0"/>
-              <a:ext cx="11142237" cy="6858000"/>
-              <a:chOff x="0" y="0"/>
-              <a:chExt cx="11142237" cy="6858000"/>
+              <a:off x="-650899" y="134953"/>
+              <a:ext cx="11267615" cy="6858000"/>
+              <a:chOff x="14234" y="57303"/>
+              <a:chExt cx="11267615" cy="6858000"/>
             </a:xfrm>
-            <a:grpFill/>
+            <a:solidFill>
+              <a:schemeClr val="accent2"/>
+            </a:solidFill>
+            <a:effectLst>
+              <a:outerShdw blurRad="254000" dist="88900" algn="l" rotWithShape="0">
+                <a:prstClr val="black">
+                  <a:alpha val="51000"/>
+                </a:prstClr>
+              </a:outerShdw>
+            </a:effectLst>
           </p:grpSpPr>
           <p:sp>
             <p:nvSpPr>
-              <p:cNvPr id="17" name="Rectangle 16">
+              <p:cNvPr id="75" name="Rectangle: Rounded Corners 74">
                 <a:extLst>
                   <a:ext uri="{FF2B5EF4-FFF2-40B4-BE49-F238E27FC236}">
-                    <a16:creationId xmlns:a16="http://schemas.microsoft.com/office/drawing/2014/main" id="{6BCD878E-48E0-4173-B769-6972082368EB}"/>
+                    <a16:creationId xmlns:a16="http://schemas.microsoft.com/office/drawing/2014/main" id="{74936F9F-0F15-4562-80AF-612EFBC0596B}"/>
                   </a:ext>
                 </a:extLst>
               </p:cNvPr>
@@ -3533,10 +4954,10 @@
             </p:nvSpPr>
             <p:spPr>
               <a:xfrm>
-                <a:off x="0" y="0"/>
-                <a:ext cx="10492740" cy="6858000"/>
+                <a:off x="10344589" y="500701"/>
+                <a:ext cx="937260" cy="1097280"/>
               </a:xfrm>
-              <a:prstGeom prst="rect">
+              <a:prstGeom prst="roundRect">
                 <a:avLst/>
               </a:prstGeom>
               <a:grpFill/>
@@ -3565,82 +4986,253 @@
               <a:lstStyle/>
               <a:p>
                 <a:pPr algn="ctr"/>
-                <a:endParaRPr lang="en-US" dirty="0"/>
-              </a:p>
-            </p:txBody>
-          </p:sp>
-          <p:sp>
-            <p:nvSpPr>
-              <p:cNvPr id="18" name="Rectangle 17">
-                <a:extLst>
-                  <a:ext uri="{FF2B5EF4-FFF2-40B4-BE49-F238E27FC236}">
-                    <a16:creationId xmlns:a16="http://schemas.microsoft.com/office/drawing/2014/main" id="{766136AA-9187-4306-B24B-53306BAF7119}"/>
-                  </a:ext>
-                </a:extLst>
-              </p:cNvPr>
-              <p:cNvSpPr/>
-              <p:nvPr/>
-            </p:nvSpPr>
-            <p:spPr>
-              <a:xfrm>
-                <a:off x="10481479" y="729248"/>
-                <a:ext cx="660758" cy="923330"/>
-              </a:xfrm>
-              <a:prstGeom prst="rect">
-                <a:avLst/>
-              </a:prstGeom>
-              <a:grpFill/>
-            </p:spPr>
-            <p:txBody>
-              <a:bodyPr wrap="none" lIns="91440" tIns="45720" rIns="91440" bIns="45720">
-                <a:spAutoFit/>
-              </a:bodyPr>
-              <a:lstStyle/>
-              <a:p>
-                <a:pPr algn="ctr"/>
-                <a:r>
-                  <a:rPr lang="en-US" sz="5400" dirty="0">
-                    <a:ln w="0"/>
-                    <a:solidFill>
-                      <a:schemeClr val="accent2">
-                        <a:lumMod val="40000"/>
-                        <a:lumOff val="60000"/>
-                      </a:schemeClr>
-                    </a:solidFill>
-                    <a:effectLst>
-                      <a:outerShdw blurRad="38100" dist="19050" dir="2700000" algn="tl" rotWithShape="0">
-                        <a:schemeClr val="dk1">
-                          <a:alpha val="40000"/>
-                        </a:schemeClr>
-                      </a:outerShdw>
-                    </a:effectLst>
-                    <a:latin typeface="Biome Light" panose="020B0303030204020804" pitchFamily="34" charset="0"/>
-                    <a:cs typeface="Biome Light" panose="020B0303030204020804" pitchFamily="34" charset="0"/>
-                  </a:rPr>
-                  <a:t>A</a:t>
-                </a:r>
-                <a:endParaRPr lang="en-US" sz="5400" b="0" cap="none" spc="0" dirty="0">
+                <a:endParaRPr lang="en-US">
                   <a:ln w="0"/>
                   <a:solidFill>
-                    <a:schemeClr val="accent2">
-                      <a:lumMod val="40000"/>
-                      <a:lumOff val="60000"/>
-                    </a:schemeClr>
+                    <a:schemeClr val="accent1"/>
                   </a:solidFill>
                   <a:effectLst>
-                    <a:outerShdw blurRad="38100" dist="19050" dir="2700000" algn="tl" rotWithShape="0">
-                      <a:schemeClr val="dk1">
-                        <a:alpha val="40000"/>
-                      </a:schemeClr>
+                    <a:outerShdw blurRad="38100" dist="25400" dir="5400000" algn="ctr" rotWithShape="0">
+                      <a:srgbClr val="6E747A">
+                        <a:alpha val="43000"/>
+                      </a:srgbClr>
                     </a:outerShdw>
                   </a:effectLst>
-                  <a:latin typeface="Biome Light" panose="020B0303030204020804" pitchFamily="34" charset="0"/>
-                  <a:cs typeface="Biome Light" panose="020B0303030204020804" pitchFamily="34" charset="0"/>
                 </a:endParaRPr>
               </a:p>
             </p:txBody>
           </p:sp>
+          <p:grpSp>
+            <p:nvGrpSpPr>
+              <p:cNvPr id="76" name="Group 75">
+                <a:extLst>
+                  <a:ext uri="{FF2B5EF4-FFF2-40B4-BE49-F238E27FC236}">
+                    <a16:creationId xmlns:a16="http://schemas.microsoft.com/office/drawing/2014/main" id="{D3F1253D-09A0-42C5-B105-1D505448D575}"/>
+                  </a:ext>
+                </a:extLst>
+              </p:cNvPr>
+              <p:cNvGrpSpPr/>
+              <p:nvPr/>
+            </p:nvGrpSpPr>
+            <p:grpSpPr>
+              <a:xfrm>
+                <a:off x="14234" y="57303"/>
+                <a:ext cx="11059890" cy="6858000"/>
+                <a:chOff x="14234" y="57303"/>
+                <a:chExt cx="11059890" cy="6858000"/>
+              </a:xfrm>
+              <a:grpFill/>
+            </p:grpSpPr>
+            <p:sp>
+              <p:nvSpPr>
+                <p:cNvPr id="77" name="Rectangle 76">
+                  <a:extLst>
+                    <a:ext uri="{FF2B5EF4-FFF2-40B4-BE49-F238E27FC236}">
+                      <a16:creationId xmlns:a16="http://schemas.microsoft.com/office/drawing/2014/main" id="{FF1E0AB0-35CA-4407-A3E0-BBFAE8C230BC}"/>
+                    </a:ext>
+                  </a:extLst>
+                </p:cNvPr>
+                <p:cNvSpPr/>
+                <p:nvPr/>
+              </p:nvSpPr>
+              <p:spPr>
+                <a:xfrm>
+                  <a:off x="14234" y="57303"/>
+                  <a:ext cx="10492740" cy="6858000"/>
+                </a:xfrm>
+                <a:prstGeom prst="rect">
+                  <a:avLst/>
+                </a:prstGeom>
+                <a:grpFill/>
+                <a:ln>
+                  <a:noFill/>
+                </a:ln>
+              </p:spPr>
+              <p:style>
+                <a:lnRef idx="2">
+                  <a:schemeClr val="accent1">
+                    <a:shade val="50000"/>
+                  </a:schemeClr>
+                </a:lnRef>
+                <a:fillRef idx="1">
+                  <a:schemeClr val="accent1"/>
+                </a:fillRef>
+                <a:effectRef idx="0">
+                  <a:schemeClr val="accent1"/>
+                </a:effectRef>
+                <a:fontRef idx="minor">
+                  <a:schemeClr val="lt1"/>
+                </a:fontRef>
+              </p:style>
+              <p:txBody>
+                <a:bodyPr rtlCol="0" anchor="ctr"/>
+                <a:lstStyle/>
+                <a:p>
+                  <a:pPr algn="ctr"/>
+                  <a:endParaRPr lang="en-US" dirty="0">
+                    <a:ln w="0"/>
+                    <a:solidFill>
+                      <a:schemeClr val="accent1"/>
+                    </a:solidFill>
+                    <a:effectLst>
+                      <a:outerShdw blurRad="38100" dist="25400" dir="5400000" algn="ctr" rotWithShape="0">
+                        <a:srgbClr val="6E747A">
+                          <a:alpha val="43000"/>
+                        </a:srgbClr>
+                      </a:outerShdw>
+                    </a:effectLst>
+                  </a:endParaRPr>
+                </a:p>
+              </p:txBody>
+            </p:sp>
+            <p:sp>
+              <p:nvSpPr>
+                <p:cNvPr id="78" name="Rectangle 77">
+                  <a:extLst>
+                    <a:ext uri="{FF2B5EF4-FFF2-40B4-BE49-F238E27FC236}">
+                      <a16:creationId xmlns:a16="http://schemas.microsoft.com/office/drawing/2014/main" id="{3E20F321-C4BE-48DF-AA84-F91E6188B8F7}"/>
+                    </a:ext>
+                  </a:extLst>
+                </p:cNvPr>
+                <p:cNvSpPr/>
+                <p:nvPr/>
+              </p:nvSpPr>
+              <p:spPr>
+                <a:xfrm>
+                  <a:off x="10413366" y="558158"/>
+                  <a:ext cx="660758" cy="923330"/>
+                </a:xfrm>
+                <a:prstGeom prst="rect">
+                  <a:avLst/>
+                </a:prstGeom>
+                <a:grpFill/>
+              </p:spPr>
+              <p:txBody>
+                <a:bodyPr wrap="none" lIns="91440" tIns="45720" rIns="91440" bIns="45720">
+                  <a:spAutoFit/>
+                </a:bodyPr>
+                <a:lstStyle/>
+                <a:p>
+                  <a:pPr algn="ctr"/>
+                  <a:r>
+                    <a:rPr lang="en-US" sz="5400" dirty="0">
+                      <a:ln w="0"/>
+                      <a:solidFill>
+                        <a:schemeClr val="accent4">
+                          <a:lumMod val="60000"/>
+                          <a:lumOff val="40000"/>
+                        </a:schemeClr>
+                      </a:solidFill>
+                      <a:effectLst>
+                        <a:outerShdw blurRad="38100" dist="25400" dir="5400000" algn="ctr" rotWithShape="0">
+                          <a:srgbClr val="6E747A">
+                            <a:alpha val="43000"/>
+                          </a:srgbClr>
+                        </a:outerShdw>
+                      </a:effectLst>
+                      <a:latin typeface="Biome Light" panose="020B0303030204020804" pitchFamily="34" charset="0"/>
+                      <a:cs typeface="Biome Light" panose="020B0303030204020804" pitchFamily="34" charset="0"/>
+                    </a:rPr>
+                    <a:t>A</a:t>
+                  </a:r>
+                </a:p>
+              </p:txBody>
+            </p:sp>
+          </p:grpSp>
         </p:grpSp>
+        <p:sp>
+          <p:nvSpPr>
+            <p:cNvPr id="2069" name="Rectangle 2068">
+              <a:extLst>
+                <a:ext uri="{FF2B5EF4-FFF2-40B4-BE49-F238E27FC236}">
+                  <a16:creationId xmlns:a16="http://schemas.microsoft.com/office/drawing/2014/main" id="{C523F77E-ED2A-4475-B43C-36E5652304B1}"/>
+                </a:ext>
+              </a:extLst>
+            </p:cNvPr>
+            <p:cNvSpPr/>
+            <p:nvPr/>
+          </p:nvSpPr>
+          <p:spPr>
+            <a:xfrm>
+              <a:off x="3189062" y="513106"/>
+              <a:ext cx="2863284" cy="923330"/>
+            </a:xfrm>
+            <a:prstGeom prst="rect">
+              <a:avLst/>
+            </a:prstGeom>
+            <a:noFill/>
+          </p:spPr>
+          <p:txBody>
+            <a:bodyPr wrap="none" lIns="91440" tIns="45720" rIns="91440" bIns="45720">
+              <a:spAutoFit/>
+            </a:bodyPr>
+            <a:lstStyle/>
+            <a:p>
+              <a:pPr algn="ctr"/>
+              <a:r>
+                <a:rPr lang="en-US" sz="5400" b="1" dirty="0">
+                  <a:ln w="12700" cmpd="sng">
+                    <a:solidFill>
+                      <a:schemeClr val="accent4"/>
+                    </a:solidFill>
+                    <a:prstDash val="solid"/>
+                  </a:ln>
+                  <a:gradFill>
+                    <a:gsLst>
+                      <a:gs pos="0">
+                        <a:schemeClr val="accent4"/>
+                      </a:gs>
+                      <a:gs pos="4000">
+                        <a:schemeClr val="accent4">
+                          <a:lumMod val="60000"/>
+                          <a:lumOff val="40000"/>
+                        </a:schemeClr>
+                      </a:gs>
+                      <a:gs pos="87000">
+                        <a:schemeClr val="accent4">
+                          <a:lumMod val="20000"/>
+                          <a:lumOff val="80000"/>
+                        </a:schemeClr>
+                      </a:gs>
+                    </a:gsLst>
+                    <a:lin ang="5400000"/>
+                  </a:gradFill>
+                  <a:hlinkClick r:id="rId5"/>
+                </a:rPr>
+                <a:t>The Code</a:t>
+              </a:r>
+              <a:endParaRPr lang="en-US" sz="5400" b="1" cap="none" spc="0" dirty="0">
+                <a:ln w="12700" cmpd="sng">
+                  <a:solidFill>
+                    <a:schemeClr val="accent4"/>
+                  </a:solidFill>
+                  <a:prstDash val="solid"/>
+                </a:ln>
+                <a:gradFill>
+                  <a:gsLst>
+                    <a:gs pos="0">
+                      <a:schemeClr val="accent4"/>
+                    </a:gs>
+                    <a:gs pos="4000">
+                      <a:schemeClr val="accent4">
+                        <a:lumMod val="60000"/>
+                        <a:lumOff val="40000"/>
+                      </a:schemeClr>
+                    </a:gs>
+                    <a:gs pos="87000">
+                      <a:schemeClr val="accent4">
+                        <a:lumMod val="20000"/>
+                        <a:lumOff val="80000"/>
+                      </a:schemeClr>
+                    </a:gs>
+                  </a:gsLst>
+                  <a:lin ang="5400000"/>
+                </a:gradFill>
+                <a:effectLst/>
+              </a:endParaRPr>
+            </a:p>
+          </p:txBody>
+        </p:sp>
       </p:grpSp>
     </p:spTree>
     <p:extLst>
@@ -3652,48 +5244,241 @@
   <p:clrMapOvr>
     <a:masterClrMapping/>
   </p:clrMapOvr>
+  <p:transition spd="slow">
+    <p:cover/>
+  </p:transition>
+  <p:timing>
+    <p:tnLst>
+      <p:par>
+        <p:cTn id="1" dur="indefinite" restart="never" nodeType="tmRoot">
+          <p:childTnLst>
+            <p:seq concurrent="1" nextAc="seek">
+              <p:cTn id="2" dur="indefinite" nodeType="mainSeq">
+                <p:childTnLst>
+                  <p:par>
+                    <p:cTn id="3" fill="hold">
+                      <p:stCondLst>
+                        <p:cond delay="indefinite"/>
+                      </p:stCondLst>
+                      <p:childTnLst>
+                        <p:par>
+                          <p:cTn id="4" fill="hold">
+                            <p:stCondLst>
+                              <p:cond delay="0"/>
+                            </p:stCondLst>
+                            <p:childTnLst>
+                              <p:par>
+                                <p:cTn id="5" presetID="42" presetClass="path" presetSubtype="0" accel="50000" decel="50000" fill="hold" nodeType="clickEffect">
+                                  <p:stCondLst>
+                                    <p:cond delay="0"/>
+                                  </p:stCondLst>
+                                  <p:childTnLst>
+                                    <p:animMotion origin="layout" path="M -4.58333E-6 -4.81481E-6 L -4.58333E-6 0.00024 " pathEditMode="relative" rAng="0" ptsTypes="AA">
+                                      <p:cBhvr>
+                                        <p:cTn id="6" dur="2000" fill="hold"/>
+                                        <p:tgtEl>
+                                          <p:spTgt spid="2048"/>
+                                        </p:tgtEl>
+                                        <p:attrNameLst>
+                                          <p:attrName>ppt_x</p:attrName>
+                                          <p:attrName>ppt_y</p:attrName>
+                                        </p:attrNameLst>
+                                      </p:cBhvr>
+                                      <p:rCtr x="0" y="0"/>
+                                    </p:animMotion>
+                                  </p:childTnLst>
+                                </p:cTn>
+                              </p:par>
+                            </p:childTnLst>
+                          </p:cTn>
+                        </p:par>
+                      </p:childTnLst>
+                    </p:cTn>
+                  </p:par>
+                  <p:par>
+                    <p:cTn id="7" fill="hold">
+                      <p:stCondLst>
+                        <p:cond delay="indefinite"/>
+                      </p:stCondLst>
+                      <p:childTnLst>
+                        <p:par>
+                          <p:cTn id="8" fill="hold">
+                            <p:stCondLst>
+                              <p:cond delay="0"/>
+                            </p:stCondLst>
+                            <p:childTnLst>
+                              <p:par>
+                                <p:cTn id="9" presetID="42" presetClass="path" presetSubtype="0" accel="50000" decel="50000" fill="hold" nodeType="clickEffect">
+                                  <p:stCondLst>
+                                    <p:cond delay="0"/>
+                                  </p:stCondLst>
+                                  <p:childTnLst>
+                                    <p:animMotion origin="layout" path="M -1.25E-6 -2.59259E-6 L 0.75964 -0.00903 " pathEditMode="relative" rAng="0" ptsTypes="AA">
+                                      <p:cBhvr>
+                                        <p:cTn id="10" dur="2000" fill="hold"/>
+                                        <p:tgtEl>
+                                          <p:spTgt spid="2064"/>
+                                        </p:tgtEl>
+                                        <p:attrNameLst>
+                                          <p:attrName>ppt_x</p:attrName>
+                                          <p:attrName>ppt_y</p:attrName>
+                                        </p:attrNameLst>
+                                      </p:cBhvr>
+                                      <p:rCtr x="37982" y="-463"/>
+                                    </p:animMotion>
+                                  </p:childTnLst>
+                                </p:cTn>
+                              </p:par>
+                            </p:childTnLst>
+                          </p:cTn>
+                        </p:par>
+                      </p:childTnLst>
+                    </p:cTn>
+                  </p:par>
+                  <p:par>
+                    <p:cTn id="11" fill="hold">
+                      <p:stCondLst>
+                        <p:cond delay="indefinite"/>
+                      </p:stCondLst>
+                      <p:childTnLst>
+                        <p:par>
+                          <p:cTn id="12" fill="hold">
+                            <p:stCondLst>
+                              <p:cond delay="0"/>
+                            </p:stCondLst>
+                            <p:childTnLst>
+                              <p:par>
+                                <p:cTn id="13" presetID="42" presetClass="path" presetSubtype="0" accel="50000" decel="50000" fill="hold" nodeType="clickEffect">
+                                  <p:stCondLst>
+                                    <p:cond delay="0"/>
+                                  </p:stCondLst>
+                                  <p:childTnLst>
+                                    <p:animMotion origin="layout" path="M 3.75E-6 -2.59259E-6 L 0.76146 -0.00903 " pathEditMode="relative" rAng="0" ptsTypes="AA">
+                                      <p:cBhvr>
+                                        <p:cTn id="14" dur="2000" fill="hold"/>
+                                        <p:tgtEl>
+                                          <p:spTgt spid="2068"/>
+                                        </p:tgtEl>
+                                        <p:attrNameLst>
+                                          <p:attrName>ppt_x</p:attrName>
+                                          <p:attrName>ppt_y</p:attrName>
+                                        </p:attrNameLst>
+                                      </p:cBhvr>
+                                      <p:rCtr x="38333" y="394"/>
+                                    </p:animMotion>
+                                  </p:childTnLst>
+                                </p:cTn>
+                              </p:par>
+                            </p:childTnLst>
+                          </p:cTn>
+                        </p:par>
+                      </p:childTnLst>
+                    </p:cTn>
+                  </p:par>
+                  <p:par>
+                    <p:cTn id="15" fill="hold">
+                      <p:stCondLst>
+                        <p:cond delay="indefinite"/>
+                      </p:stCondLst>
+                      <p:childTnLst>
+                        <p:par>
+                          <p:cTn id="16" fill="hold">
+                            <p:stCondLst>
+                              <p:cond delay="0"/>
+                            </p:stCondLst>
+                            <p:childTnLst>
+                              <p:par>
+                                <p:cTn id="17" presetID="42" presetClass="path" presetSubtype="0" accel="50000" decel="50000" fill="hold" nodeType="clickEffect">
+                                  <p:stCondLst>
+                                    <p:cond delay="0"/>
+                                  </p:stCondLst>
+                                  <p:childTnLst>
+                                    <p:animMotion origin="layout" path="M -0.04388 2.96296E-6 L 0.63268 -0.00255 " pathEditMode="relative" rAng="0" ptsTypes="AA">
+                                      <p:cBhvr>
+                                        <p:cTn id="18" dur="2000" fill="hold"/>
+                                        <p:tgtEl>
+                                          <p:spTgt spid="2070"/>
+                                        </p:tgtEl>
+                                        <p:attrNameLst>
+                                          <p:attrName>ppt_x</p:attrName>
+                                          <p:attrName>ppt_y</p:attrName>
+                                        </p:attrNameLst>
+                                      </p:cBhvr>
+                                      <p:rCtr x="33828" y="-139"/>
+                                    </p:animMotion>
+                                  </p:childTnLst>
+                                </p:cTn>
+                              </p:par>
+                            </p:childTnLst>
+                          </p:cTn>
+                        </p:par>
+                      </p:childTnLst>
+                    </p:cTn>
+                  </p:par>
+                </p:childTnLst>
+              </p:cTn>
+              <p:prevCondLst>
+                <p:cond evt="onPrev" delay="0">
+                  <p:tgtEl>
+                    <p:sldTgt/>
+                  </p:tgtEl>
+                </p:cond>
+              </p:prevCondLst>
+              <p:nextCondLst>
+                <p:cond evt="onNext" delay="0">
+                  <p:tgtEl>
+                    <p:sldTgt/>
+                  </p:tgtEl>
+                </p:cond>
+              </p:nextCondLst>
+            </p:seq>
+          </p:childTnLst>
+        </p:cTn>
+      </p:par>
+    </p:tnLst>
+  </p:timing>
 </p:sld>
 </file>
 
 <file path=ppt/theme/theme1.xml><?xml version="1.0" encoding="utf-8"?>
 <a:theme xmlns:a="http://schemas.openxmlformats.org/drawingml/2006/main" name="Office Theme">
   <a:themeElements>
-    <a:clrScheme name="Custom 6">
+    <a:clrScheme name="Custom 16">
       <a:dk1>
-        <a:sysClr val="windowText" lastClr="000000"/>
+        <a:srgbClr val="F1EAE6"/>
       </a:dk1>
       <a:lt1>
-        <a:srgbClr val="262626"/>
+        <a:srgbClr val="648C2F"/>
       </a:lt1>
       <a:dk2>
-        <a:srgbClr val="775F55"/>
+        <a:srgbClr val="A4CE6D"/>
       </a:dk2>
       <a:lt2>
-        <a:srgbClr val="EBDDC3"/>
+        <a:srgbClr val="000000"/>
       </a:lt2>
       <a:accent1>
-        <a:srgbClr val="FBD986"/>
+        <a:srgbClr val="86BB40"/>
       </a:accent1>
       <a:accent2>
-        <a:srgbClr val="DD8047"/>
+        <a:srgbClr val="FAE5AB"/>
       </a:accent2>
       <a:accent3>
-        <a:srgbClr val="A5AB81"/>
+        <a:srgbClr val="EC431A"/>
       </a:accent3>
       <a:accent4>
-        <a:srgbClr val="D8B25C"/>
+        <a:srgbClr val="966C54"/>
       </a:accent4>
       <a:accent5>
-        <a:srgbClr val="7BA79D"/>
+        <a:srgbClr val="8D85AA"/>
       </a:accent5>
       <a:accent6>
-        <a:srgbClr val="968C8C"/>
+        <a:srgbClr val="2E75B5"/>
       </a:accent6>
       <a:hlink>
-        <a:srgbClr val="F7B615"/>
+        <a:srgbClr val="40ACD1"/>
       </a:hlink>
       <a:folHlink>
-        <a:srgbClr val="FFFFFF"/>
+        <a:srgbClr val="CE9A0A"/>
       </a:folHlink>
     </a:clrScheme>
     <a:fontScheme name="Office Theme">
